--- a/figures/pau/plant-soil isoscape combined.pptx
+++ b/figures/pau/plant-soil isoscape combined.pptx
@@ -104,6 +104,22 @@
       </a:defRPr>
     </a:lvl9pPr>
   </p:defaultTextStyle>
+  <p:extLst>
+    <p:ext uri="{EFAFB233-063F-42B5-8137-9DF3F51BA10A}">
+      <p15:sldGuideLst xmlns:p15="http://schemas.microsoft.com/office/powerpoint/2012/main">
+        <p15:guide id="1" orient="horz" pos="2160">
+          <p15:clr>
+            <a:srgbClr val="A4A3A4"/>
+          </p15:clr>
+        </p15:guide>
+        <p15:guide id="2" pos="2880">
+          <p15:clr>
+            <a:srgbClr val="A4A3A4"/>
+          </p15:clr>
+        </p15:guide>
+      </p15:sldGuideLst>
+    </p:ext>
+  </p:extLst>
 </p:presentation>
 </file>
 
@@ -145,10 +161,9 @@
           <a:lstStyle/>
           <a:p>
             <a:r>
-              <a:rPr lang="en-US" smtClean="0"/>
+              <a:rPr lang="en-US"/>
               <a:t>Click to edit Master title style</a:t>
             </a:r>
-            <a:endParaRPr lang="en-US"/>
           </a:p>
         </p:txBody>
       </p:sp>
@@ -264,10 +279,9 @@
           </a:lstStyle>
           <a:p>
             <a:r>
-              <a:rPr lang="en-US" smtClean="0"/>
+              <a:rPr lang="en-US"/>
               <a:t>Click to edit Master subtitle style</a:t>
             </a:r>
-            <a:endParaRPr lang="en-US"/>
           </a:p>
         </p:txBody>
       </p:sp>
@@ -288,7 +302,7 @@
           <a:p>
             <a:fld id="{6761E3C2-9BEC-E04E-909B-4B2F00AFE974}" type="datetimeFigureOut">
               <a:rPr lang="en-US" smtClean="0"/>
-              <a:t>3/29/21</a:t>
+              <a:t>2/23/22</a:t>
             </a:fld>
             <a:endParaRPr lang="en-US"/>
           </a:p>
@@ -382,10 +396,9 @@
           <a:lstStyle/>
           <a:p>
             <a:r>
-              <a:rPr lang="en-US" smtClean="0"/>
+              <a:rPr lang="en-US"/>
               <a:t>Click to edit Master title style</a:t>
             </a:r>
-            <a:endParaRPr lang="en-US"/>
           </a:p>
         </p:txBody>
       </p:sp>
@@ -406,38 +419,37 @@
           <a:p>
             <a:pPr lvl="0"/>
             <a:r>
-              <a:rPr lang="en-US" smtClean="0"/>
+              <a:rPr lang="en-US"/>
               <a:t>Click to edit Master text styles</a:t>
             </a:r>
           </a:p>
           <a:p>
             <a:pPr lvl="1"/>
             <a:r>
-              <a:rPr lang="en-US" smtClean="0"/>
+              <a:rPr lang="en-US"/>
               <a:t>Second level</a:t>
             </a:r>
           </a:p>
           <a:p>
             <a:pPr lvl="2"/>
             <a:r>
-              <a:rPr lang="en-US" smtClean="0"/>
+              <a:rPr lang="en-US"/>
               <a:t>Third level</a:t>
             </a:r>
           </a:p>
           <a:p>
             <a:pPr lvl="3"/>
             <a:r>
-              <a:rPr lang="en-US" smtClean="0"/>
+              <a:rPr lang="en-US"/>
               <a:t>Fourth level</a:t>
             </a:r>
           </a:p>
           <a:p>
             <a:pPr lvl="4"/>
             <a:r>
-              <a:rPr lang="en-US" smtClean="0"/>
+              <a:rPr lang="en-US"/>
               <a:t>Fifth level</a:t>
             </a:r>
-            <a:endParaRPr lang="en-US"/>
           </a:p>
         </p:txBody>
       </p:sp>
@@ -458,7 +470,7 @@
           <a:p>
             <a:fld id="{6761E3C2-9BEC-E04E-909B-4B2F00AFE974}" type="datetimeFigureOut">
               <a:rPr lang="en-US" smtClean="0"/>
-              <a:t>3/29/21</a:t>
+              <a:t>2/23/22</a:t>
             </a:fld>
             <a:endParaRPr lang="en-US"/>
           </a:p>
@@ -557,10 +569,9 @@
           <a:lstStyle/>
           <a:p>
             <a:r>
-              <a:rPr lang="en-US" smtClean="0"/>
+              <a:rPr lang="en-US"/>
               <a:t>Click to edit Master title style</a:t>
             </a:r>
-            <a:endParaRPr lang="en-US"/>
           </a:p>
         </p:txBody>
       </p:sp>
@@ -586,38 +597,37 @@
           <a:p>
             <a:pPr lvl="0"/>
             <a:r>
-              <a:rPr lang="en-US" smtClean="0"/>
+              <a:rPr lang="en-US"/>
               <a:t>Click to edit Master text styles</a:t>
             </a:r>
           </a:p>
           <a:p>
             <a:pPr lvl="1"/>
             <a:r>
-              <a:rPr lang="en-US" smtClean="0"/>
+              <a:rPr lang="en-US"/>
               <a:t>Second level</a:t>
             </a:r>
           </a:p>
           <a:p>
             <a:pPr lvl="2"/>
             <a:r>
-              <a:rPr lang="en-US" smtClean="0"/>
+              <a:rPr lang="en-US"/>
               <a:t>Third level</a:t>
             </a:r>
           </a:p>
           <a:p>
             <a:pPr lvl="3"/>
             <a:r>
-              <a:rPr lang="en-US" smtClean="0"/>
+              <a:rPr lang="en-US"/>
               <a:t>Fourth level</a:t>
             </a:r>
           </a:p>
           <a:p>
             <a:pPr lvl="4"/>
             <a:r>
-              <a:rPr lang="en-US" smtClean="0"/>
+              <a:rPr lang="en-US"/>
               <a:t>Fifth level</a:t>
             </a:r>
-            <a:endParaRPr lang="en-US"/>
           </a:p>
         </p:txBody>
       </p:sp>
@@ -638,7 +648,7 @@
           <a:p>
             <a:fld id="{6761E3C2-9BEC-E04E-909B-4B2F00AFE974}" type="datetimeFigureOut">
               <a:rPr lang="en-US" smtClean="0"/>
-              <a:t>3/29/21</a:t>
+              <a:t>2/23/22</a:t>
             </a:fld>
             <a:endParaRPr lang="en-US"/>
           </a:p>
@@ -732,10 +742,9 @@
           <a:lstStyle/>
           <a:p>
             <a:r>
-              <a:rPr lang="en-US" smtClean="0"/>
+              <a:rPr lang="en-US"/>
               <a:t>Click to edit Master title style</a:t>
             </a:r>
-            <a:endParaRPr lang="en-US"/>
           </a:p>
         </p:txBody>
       </p:sp>
@@ -756,38 +765,37 @@
           <a:p>
             <a:pPr lvl="0"/>
             <a:r>
-              <a:rPr lang="en-US" smtClean="0"/>
+              <a:rPr lang="en-US"/>
               <a:t>Click to edit Master text styles</a:t>
             </a:r>
           </a:p>
           <a:p>
             <a:pPr lvl="1"/>
             <a:r>
-              <a:rPr lang="en-US" smtClean="0"/>
+              <a:rPr lang="en-US"/>
               <a:t>Second level</a:t>
             </a:r>
           </a:p>
           <a:p>
             <a:pPr lvl="2"/>
             <a:r>
-              <a:rPr lang="en-US" smtClean="0"/>
+              <a:rPr lang="en-US"/>
               <a:t>Third level</a:t>
             </a:r>
           </a:p>
           <a:p>
             <a:pPr lvl="3"/>
             <a:r>
-              <a:rPr lang="en-US" smtClean="0"/>
+              <a:rPr lang="en-US"/>
               <a:t>Fourth level</a:t>
             </a:r>
           </a:p>
           <a:p>
             <a:pPr lvl="4"/>
             <a:r>
-              <a:rPr lang="en-US" smtClean="0"/>
+              <a:rPr lang="en-US"/>
               <a:t>Fifth level</a:t>
             </a:r>
-            <a:endParaRPr lang="en-US"/>
           </a:p>
         </p:txBody>
       </p:sp>
@@ -808,7 +816,7 @@
           <a:p>
             <a:fld id="{6761E3C2-9BEC-E04E-909B-4B2F00AFE974}" type="datetimeFigureOut">
               <a:rPr lang="en-US" smtClean="0"/>
-              <a:t>3/29/21</a:t>
+              <a:t>2/23/22</a:t>
             </a:fld>
             <a:endParaRPr lang="en-US"/>
           </a:p>
@@ -911,10 +919,9 @@
           </a:lstStyle>
           <a:p>
             <a:r>
-              <a:rPr lang="en-US" smtClean="0"/>
+              <a:rPr lang="en-US"/>
               <a:t>Click to edit Master title style</a:t>
             </a:r>
-            <a:endParaRPr lang="en-US"/>
           </a:p>
         </p:txBody>
       </p:sp>
@@ -1031,7 +1038,7 @@
           <a:p>
             <a:pPr lvl="0"/>
             <a:r>
-              <a:rPr lang="en-US" smtClean="0"/>
+              <a:rPr lang="en-US"/>
               <a:t>Click to edit Master text styles</a:t>
             </a:r>
           </a:p>
@@ -1054,7 +1061,7 @@
           <a:p>
             <a:fld id="{6761E3C2-9BEC-E04E-909B-4B2F00AFE974}" type="datetimeFigureOut">
               <a:rPr lang="en-US" smtClean="0"/>
-              <a:t>3/29/21</a:t>
+              <a:t>2/23/22</a:t>
             </a:fld>
             <a:endParaRPr lang="en-US"/>
           </a:p>
@@ -1148,10 +1155,9 @@
           <a:lstStyle/>
           <a:p>
             <a:r>
-              <a:rPr lang="en-US" smtClean="0"/>
+              <a:rPr lang="en-US"/>
               <a:t>Click to edit Master title style</a:t>
             </a:r>
-            <a:endParaRPr lang="en-US"/>
           </a:p>
         </p:txBody>
       </p:sp>
@@ -1205,38 +1211,37 @@
           <a:p>
             <a:pPr lvl="0"/>
             <a:r>
-              <a:rPr lang="en-US" smtClean="0"/>
+              <a:rPr lang="en-US"/>
               <a:t>Click to edit Master text styles</a:t>
             </a:r>
           </a:p>
           <a:p>
             <a:pPr lvl="1"/>
             <a:r>
-              <a:rPr lang="en-US" smtClean="0"/>
+              <a:rPr lang="en-US"/>
               <a:t>Second level</a:t>
             </a:r>
           </a:p>
           <a:p>
             <a:pPr lvl="2"/>
             <a:r>
-              <a:rPr lang="en-US" smtClean="0"/>
+              <a:rPr lang="en-US"/>
               <a:t>Third level</a:t>
             </a:r>
           </a:p>
           <a:p>
             <a:pPr lvl="3"/>
             <a:r>
-              <a:rPr lang="en-US" smtClean="0"/>
+              <a:rPr lang="en-US"/>
               <a:t>Fourth level</a:t>
             </a:r>
           </a:p>
           <a:p>
             <a:pPr lvl="4"/>
             <a:r>
-              <a:rPr lang="en-US" smtClean="0"/>
+              <a:rPr lang="en-US"/>
               <a:t>Fifth level</a:t>
             </a:r>
-            <a:endParaRPr lang="en-US"/>
           </a:p>
         </p:txBody>
       </p:sp>
@@ -1290,38 +1295,37 @@
           <a:p>
             <a:pPr lvl="0"/>
             <a:r>
-              <a:rPr lang="en-US" smtClean="0"/>
+              <a:rPr lang="en-US"/>
               <a:t>Click to edit Master text styles</a:t>
             </a:r>
           </a:p>
           <a:p>
             <a:pPr lvl="1"/>
             <a:r>
-              <a:rPr lang="en-US" smtClean="0"/>
+              <a:rPr lang="en-US"/>
               <a:t>Second level</a:t>
             </a:r>
           </a:p>
           <a:p>
             <a:pPr lvl="2"/>
             <a:r>
-              <a:rPr lang="en-US" smtClean="0"/>
+              <a:rPr lang="en-US"/>
               <a:t>Third level</a:t>
             </a:r>
           </a:p>
           <a:p>
             <a:pPr lvl="3"/>
             <a:r>
-              <a:rPr lang="en-US" smtClean="0"/>
+              <a:rPr lang="en-US"/>
               <a:t>Fourth level</a:t>
             </a:r>
           </a:p>
           <a:p>
             <a:pPr lvl="4"/>
             <a:r>
-              <a:rPr lang="en-US" smtClean="0"/>
+              <a:rPr lang="en-US"/>
               <a:t>Fifth level</a:t>
             </a:r>
-            <a:endParaRPr lang="en-US"/>
           </a:p>
         </p:txBody>
       </p:sp>
@@ -1342,7 +1346,7 @@
           <a:p>
             <a:fld id="{6761E3C2-9BEC-E04E-909B-4B2F00AFE974}" type="datetimeFigureOut">
               <a:rPr lang="en-US" smtClean="0"/>
-              <a:t>3/29/21</a:t>
+              <a:t>2/23/22</a:t>
             </a:fld>
             <a:endParaRPr lang="en-US"/>
           </a:p>
@@ -1440,10 +1444,9 @@
           </a:lstStyle>
           <a:p>
             <a:r>
-              <a:rPr lang="en-US" smtClean="0"/>
+              <a:rPr lang="en-US"/>
               <a:t>Click to edit Master title style</a:t>
             </a:r>
-            <a:endParaRPr lang="en-US"/>
           </a:p>
         </p:txBody>
       </p:sp>
@@ -1506,7 +1509,7 @@
           <a:p>
             <a:pPr lvl="0"/>
             <a:r>
-              <a:rPr lang="en-US" smtClean="0"/>
+              <a:rPr lang="en-US"/>
               <a:t>Click to edit Master text styles</a:t>
             </a:r>
           </a:p>
@@ -1562,38 +1565,37 @@
           <a:p>
             <a:pPr lvl="0"/>
             <a:r>
-              <a:rPr lang="en-US" smtClean="0"/>
+              <a:rPr lang="en-US"/>
               <a:t>Click to edit Master text styles</a:t>
             </a:r>
           </a:p>
           <a:p>
             <a:pPr lvl="1"/>
             <a:r>
-              <a:rPr lang="en-US" smtClean="0"/>
+              <a:rPr lang="en-US"/>
               <a:t>Second level</a:t>
             </a:r>
           </a:p>
           <a:p>
             <a:pPr lvl="2"/>
             <a:r>
-              <a:rPr lang="en-US" smtClean="0"/>
+              <a:rPr lang="en-US"/>
               <a:t>Third level</a:t>
             </a:r>
           </a:p>
           <a:p>
             <a:pPr lvl="3"/>
             <a:r>
-              <a:rPr lang="en-US" smtClean="0"/>
+              <a:rPr lang="en-US"/>
               <a:t>Fourth level</a:t>
             </a:r>
           </a:p>
           <a:p>
             <a:pPr lvl="4"/>
             <a:r>
-              <a:rPr lang="en-US" smtClean="0"/>
+              <a:rPr lang="en-US"/>
               <a:t>Fifth level</a:t>
             </a:r>
-            <a:endParaRPr lang="en-US"/>
           </a:p>
         </p:txBody>
       </p:sp>
@@ -1656,7 +1658,7 @@
           <a:p>
             <a:pPr lvl="0"/>
             <a:r>
-              <a:rPr lang="en-US" smtClean="0"/>
+              <a:rPr lang="en-US"/>
               <a:t>Click to edit Master text styles</a:t>
             </a:r>
           </a:p>
@@ -1712,38 +1714,37 @@
           <a:p>
             <a:pPr lvl="0"/>
             <a:r>
-              <a:rPr lang="en-US" smtClean="0"/>
+              <a:rPr lang="en-US"/>
               <a:t>Click to edit Master text styles</a:t>
             </a:r>
           </a:p>
           <a:p>
             <a:pPr lvl="1"/>
             <a:r>
-              <a:rPr lang="en-US" smtClean="0"/>
+              <a:rPr lang="en-US"/>
               <a:t>Second level</a:t>
             </a:r>
           </a:p>
           <a:p>
             <a:pPr lvl="2"/>
             <a:r>
-              <a:rPr lang="en-US" smtClean="0"/>
+              <a:rPr lang="en-US"/>
               <a:t>Third level</a:t>
             </a:r>
           </a:p>
           <a:p>
             <a:pPr lvl="3"/>
             <a:r>
-              <a:rPr lang="en-US" smtClean="0"/>
+              <a:rPr lang="en-US"/>
               <a:t>Fourth level</a:t>
             </a:r>
           </a:p>
           <a:p>
             <a:pPr lvl="4"/>
             <a:r>
-              <a:rPr lang="en-US" smtClean="0"/>
+              <a:rPr lang="en-US"/>
               <a:t>Fifth level</a:t>
             </a:r>
-            <a:endParaRPr lang="en-US"/>
           </a:p>
         </p:txBody>
       </p:sp>
@@ -1764,7 +1765,7 @@
           <a:p>
             <a:fld id="{6761E3C2-9BEC-E04E-909B-4B2F00AFE974}" type="datetimeFigureOut">
               <a:rPr lang="en-US" smtClean="0"/>
-              <a:t>3/29/21</a:t>
+              <a:t>2/23/22</a:t>
             </a:fld>
             <a:endParaRPr lang="en-US"/>
           </a:p>
@@ -1858,10 +1859,9 @@
           <a:lstStyle/>
           <a:p>
             <a:r>
-              <a:rPr lang="en-US" smtClean="0"/>
+              <a:rPr lang="en-US"/>
               <a:t>Click to edit Master title style</a:t>
             </a:r>
-            <a:endParaRPr lang="en-US"/>
           </a:p>
         </p:txBody>
       </p:sp>
@@ -1882,7 +1882,7 @@
           <a:p>
             <a:fld id="{6761E3C2-9BEC-E04E-909B-4B2F00AFE974}" type="datetimeFigureOut">
               <a:rPr lang="en-US" smtClean="0"/>
-              <a:t>3/29/21</a:t>
+              <a:t>2/23/22</a:t>
             </a:fld>
             <a:endParaRPr lang="en-US"/>
           </a:p>
@@ -1977,7 +1977,7 @@
           <a:p>
             <a:fld id="{6761E3C2-9BEC-E04E-909B-4B2F00AFE974}" type="datetimeFigureOut">
               <a:rPr lang="en-US" smtClean="0"/>
-              <a:t>3/29/21</a:t>
+              <a:t>2/23/22</a:t>
             </a:fld>
             <a:endParaRPr lang="en-US"/>
           </a:p>
@@ -2080,10 +2080,9 @@
           </a:lstStyle>
           <a:p>
             <a:r>
-              <a:rPr lang="en-US" smtClean="0"/>
+              <a:rPr lang="en-US"/>
               <a:t>Click to edit Master title style</a:t>
             </a:r>
-            <a:endParaRPr lang="en-US"/>
           </a:p>
         </p:txBody>
       </p:sp>
@@ -2137,38 +2136,37 @@
           <a:p>
             <a:pPr lvl="0"/>
             <a:r>
-              <a:rPr lang="en-US" smtClean="0"/>
+              <a:rPr lang="en-US"/>
               <a:t>Click to edit Master text styles</a:t>
             </a:r>
           </a:p>
           <a:p>
             <a:pPr lvl="1"/>
             <a:r>
-              <a:rPr lang="en-US" smtClean="0"/>
+              <a:rPr lang="en-US"/>
               <a:t>Second level</a:t>
             </a:r>
           </a:p>
           <a:p>
             <a:pPr lvl="2"/>
             <a:r>
-              <a:rPr lang="en-US" smtClean="0"/>
+              <a:rPr lang="en-US"/>
               <a:t>Third level</a:t>
             </a:r>
           </a:p>
           <a:p>
             <a:pPr lvl="3"/>
             <a:r>
-              <a:rPr lang="en-US" smtClean="0"/>
+              <a:rPr lang="en-US"/>
               <a:t>Fourth level</a:t>
             </a:r>
           </a:p>
           <a:p>
             <a:pPr lvl="4"/>
             <a:r>
-              <a:rPr lang="en-US" smtClean="0"/>
+              <a:rPr lang="en-US"/>
               <a:t>Fifth level</a:t>
             </a:r>
-            <a:endParaRPr lang="en-US"/>
           </a:p>
         </p:txBody>
       </p:sp>
@@ -2231,7 +2229,7 @@
           <a:p>
             <a:pPr lvl="0"/>
             <a:r>
-              <a:rPr lang="en-US" smtClean="0"/>
+              <a:rPr lang="en-US"/>
               <a:t>Click to edit Master text styles</a:t>
             </a:r>
           </a:p>
@@ -2254,7 +2252,7 @@
           <a:p>
             <a:fld id="{6761E3C2-9BEC-E04E-909B-4B2F00AFE974}" type="datetimeFigureOut">
               <a:rPr lang="en-US" smtClean="0"/>
-              <a:t>3/29/21</a:t>
+              <a:t>2/23/22</a:t>
             </a:fld>
             <a:endParaRPr lang="en-US"/>
           </a:p>
@@ -2357,10 +2355,9 @@
           </a:lstStyle>
           <a:p>
             <a:r>
-              <a:rPr lang="en-US" smtClean="0"/>
+              <a:rPr lang="en-US"/>
               <a:t>Click to edit Master title style</a:t>
             </a:r>
-            <a:endParaRPr lang="en-US"/>
           </a:p>
         </p:txBody>
       </p:sp>
@@ -2484,7 +2481,7 @@
           <a:p>
             <a:pPr lvl="0"/>
             <a:r>
-              <a:rPr lang="en-US" smtClean="0"/>
+              <a:rPr lang="en-US"/>
               <a:t>Click to edit Master text styles</a:t>
             </a:r>
           </a:p>
@@ -2507,7 +2504,7 @@
           <a:p>
             <a:fld id="{6761E3C2-9BEC-E04E-909B-4B2F00AFE974}" type="datetimeFigureOut">
               <a:rPr lang="en-US" smtClean="0"/>
-              <a:t>3/29/21</a:t>
+              <a:t>2/23/22</a:t>
             </a:fld>
             <a:endParaRPr lang="en-US"/>
           </a:p>
@@ -2616,10 +2613,9 @@
           <a:lstStyle/>
           <a:p>
             <a:r>
-              <a:rPr lang="en-US" smtClean="0"/>
+              <a:rPr lang="en-US"/>
               <a:t>Click to edit Master title style</a:t>
             </a:r>
-            <a:endParaRPr lang="en-US"/>
           </a:p>
         </p:txBody>
       </p:sp>
@@ -2650,38 +2646,37 @@
           <a:p>
             <a:pPr lvl="0"/>
             <a:r>
-              <a:rPr lang="en-US" smtClean="0"/>
+              <a:rPr lang="en-US"/>
               <a:t>Click to edit Master text styles</a:t>
             </a:r>
           </a:p>
           <a:p>
             <a:pPr lvl="1"/>
             <a:r>
-              <a:rPr lang="en-US" smtClean="0"/>
+              <a:rPr lang="en-US"/>
               <a:t>Second level</a:t>
             </a:r>
           </a:p>
           <a:p>
             <a:pPr lvl="2"/>
             <a:r>
-              <a:rPr lang="en-US" smtClean="0"/>
+              <a:rPr lang="en-US"/>
               <a:t>Third level</a:t>
             </a:r>
           </a:p>
           <a:p>
             <a:pPr lvl="3"/>
             <a:r>
-              <a:rPr lang="en-US" smtClean="0"/>
+              <a:rPr lang="en-US"/>
               <a:t>Fourth level</a:t>
             </a:r>
           </a:p>
           <a:p>
             <a:pPr lvl="4"/>
             <a:r>
-              <a:rPr lang="en-US" smtClean="0"/>
+              <a:rPr lang="en-US"/>
               <a:t>Fifth level</a:t>
             </a:r>
-            <a:endParaRPr lang="en-US"/>
           </a:p>
         </p:txBody>
       </p:sp>
@@ -2720,7 +2715,7 @@
           <a:p>
             <a:fld id="{6761E3C2-9BEC-E04E-909B-4B2F00AFE974}" type="datetimeFigureOut">
               <a:rPr lang="en-US" smtClean="0"/>
-              <a:t>3/29/21</a:t>
+              <a:t>2/23/22</a:t>
             </a:fld>
             <a:endParaRPr lang="en-US"/>
           </a:p>
@@ -3118,10 +3113,9 @@
           <a:lstStyle/>
           <a:p>
             <a:r>
-              <a:rPr lang="en-US" b="1" dirty="0" smtClean="0"/>
+              <a:rPr lang="en-US" b="1" dirty="0"/>
               <a:t>Koa Plantation (KP)</a:t>
             </a:r>
-            <a:endParaRPr lang="en-US" b="1" dirty="0"/>
           </a:p>
         </p:txBody>
       </p:sp>
@@ -3148,10 +3142,9 @@
           <a:lstStyle/>
           <a:p>
             <a:r>
-              <a:rPr lang="en-US" b="1" dirty="0" smtClean="0"/>
+              <a:rPr lang="en-US" b="1" dirty="0"/>
               <a:t>Remnant Forest (RK)</a:t>
             </a:r>
-            <a:endParaRPr lang="en-US" b="1" dirty="0"/>
           </a:p>
         </p:txBody>
       </p:sp>
@@ -3164,7 +3157,7 @@
         <p:spPr>
           <a:xfrm>
             <a:off x="-8864" y="57310"/>
-            <a:ext cx="442436" cy="369332"/>
+            <a:ext cx="324128" cy="369332"/>
           </a:xfrm>
           <a:prstGeom prst="rect">
             <a:avLst/>
@@ -3178,10 +3171,9 @@
           <a:lstStyle/>
           <a:p>
             <a:r>
-              <a:rPr lang="en-US" b="1" dirty="0" smtClean="0"/>
-              <a:t>(a)</a:t>
-            </a:r>
-            <a:endParaRPr lang="en-US" b="1" dirty="0"/>
+              <a:rPr lang="en-US" b="1" dirty="0"/>
+              <a:t>A</a:t>
+            </a:r>
           </a:p>
         </p:txBody>
       </p:sp>
@@ -3193,8 +3185,8 @@
         </p:nvSpPr>
         <p:spPr>
           <a:xfrm>
-            <a:off x="888199" y="2775808"/>
-            <a:ext cx="452355" cy="369332"/>
+            <a:off x="939715" y="2775808"/>
+            <a:ext cx="314510" cy="369332"/>
           </a:xfrm>
           <a:prstGeom prst="rect">
             <a:avLst/>
@@ -3208,10 +3200,9 @@
           <a:lstStyle/>
           <a:p>
             <a:r>
-              <a:rPr lang="en-US" b="1" dirty="0" smtClean="0"/>
-              <a:t>(b)</a:t>
-            </a:r>
-            <a:endParaRPr lang="en-US" b="1" dirty="0"/>
+              <a:rPr lang="en-US" b="1" dirty="0"/>
+              <a:t>B</a:t>
+            </a:r>
           </a:p>
         </p:txBody>
       </p:sp>
@@ -3223,8 +3214,8 @@
         </p:nvSpPr>
         <p:spPr>
           <a:xfrm>
-            <a:off x="4762695" y="2797093"/>
-            <a:ext cx="452355" cy="369332"/>
+            <a:off x="4814211" y="2797093"/>
+            <a:ext cx="330540" cy="369332"/>
           </a:xfrm>
           <a:prstGeom prst="rect">
             <a:avLst/>
@@ -3238,10 +3229,9 @@
           <a:lstStyle/>
           <a:p>
             <a:r>
-              <a:rPr lang="en-US" b="1" dirty="0" smtClean="0"/>
-              <a:t>(d)</a:t>
-            </a:r>
-            <a:endParaRPr lang="en-US" b="1" dirty="0"/>
+              <a:rPr lang="en-US" b="1" dirty="0"/>
+              <a:t>D</a:t>
+            </a:r>
           </a:p>
         </p:txBody>
       </p:sp>
@@ -3268,35 +3258,35 @@
           <a:lstStyle/>
           <a:p>
             <a:r>
-              <a:rPr lang="el-GR" sz="1400" dirty="0" smtClean="0">
+              <a:rPr lang="el-GR" sz="1400" dirty="0">
                 <a:latin typeface="Arial"/>
                 <a:cs typeface="Arial"/>
               </a:rPr>
               <a:t>δ</a:t>
             </a:r>
             <a:r>
-              <a:rPr lang="el-GR" sz="1400" baseline="30000" dirty="0" smtClean="0">
+              <a:rPr lang="el-GR" sz="1400" baseline="30000" dirty="0">
                 <a:latin typeface="Arial"/>
                 <a:cs typeface="Arial"/>
               </a:rPr>
               <a:t>13</a:t>
             </a:r>
             <a:r>
-              <a:rPr lang="el-GR" sz="1400" dirty="0" smtClean="0">
+              <a:rPr lang="el-GR" sz="1400" dirty="0">
                 <a:latin typeface="Arial"/>
                 <a:cs typeface="Arial"/>
               </a:rPr>
               <a:t>C </a:t>
             </a:r>
             <a:r>
-              <a:rPr lang="en-US" sz="1400" dirty="0" smtClean="0">
+              <a:rPr lang="en-US" sz="1400" dirty="0">
                 <a:latin typeface="Arial"/>
                 <a:cs typeface="Arial"/>
               </a:rPr>
               <a:t> </a:t>
             </a:r>
             <a:r>
-              <a:rPr lang="el-GR" sz="1400" dirty="0" smtClean="0">
+              <a:rPr lang="el-GR" sz="1400" dirty="0">
                 <a:latin typeface="Arial"/>
                 <a:cs typeface="Arial"/>
               </a:rPr>
@@ -3346,16 +3336,12 @@
             <a:lstStyle/>
             <a:p>
               <a:r>
-                <a:rPr lang="en-US" sz="1200" dirty="0" smtClean="0">
+                <a:rPr lang="en-US" sz="1200" dirty="0">
                   <a:latin typeface="Arial"/>
                   <a:cs typeface="Arial"/>
                 </a:rPr>
                 <a:t>5 m</a:t>
               </a:r>
-              <a:endParaRPr lang="en-US" sz="1200" dirty="0">
-                <a:latin typeface="Arial"/>
-                <a:cs typeface="Arial"/>
-              </a:endParaRPr>
             </a:p>
           </p:txBody>
         </p:sp>
@@ -3581,7 +3567,7 @@
         <p:spPr>
           <a:xfrm>
             <a:off x="4427125" y="6510"/>
-            <a:ext cx="425079" cy="369332"/>
+            <a:ext cx="306494" cy="369332"/>
           </a:xfrm>
           <a:prstGeom prst="rect">
             <a:avLst/>
@@ -3595,8 +3581,8 @@
           <a:lstStyle/>
           <a:p>
             <a:r>
-              <a:rPr lang="de-DE" b="1" dirty="0" smtClean="0"/>
-              <a:t>(c) </a:t>
+              <a:rPr lang="de-DE" b="1" dirty="0"/>
+              <a:t>C</a:t>
             </a:r>
             <a:endParaRPr lang="en-US" b="1" dirty="0"/>
           </a:p>
@@ -3624,16 +3610,12 @@
           <a:lstStyle/>
           <a:p>
             <a:r>
-              <a:rPr lang="en-US" sz="1400" dirty="0" smtClean="0">
+              <a:rPr lang="en-US" sz="1400" dirty="0">
                 <a:latin typeface="Arial"/>
                 <a:cs typeface="Arial"/>
               </a:rPr>
               <a:t>soil samples</a:t>
             </a:r>
-            <a:endParaRPr lang="en-US" sz="1400" dirty="0">
-              <a:latin typeface="Arial"/>
-              <a:cs typeface="Arial"/>
-            </a:endParaRPr>
           </a:p>
         </p:txBody>
       </p:sp>
@@ -3704,7 +3686,7 @@
           <a:lstStyle/>
           <a:p>
             <a:r>
-              <a:rPr lang="en-US" sz="1400" i="1" dirty="0" smtClean="0">
+              <a:rPr lang="en-US" sz="1400" i="1" dirty="0">
                 <a:latin typeface="Arial"/>
                 <a:cs typeface="Arial"/>
               </a:rPr>
@@ -3715,14 +3697,7 @@
                 <a:latin typeface="Arial"/>
                 <a:cs typeface="Arial"/>
               </a:rPr>
-              <a:t>k</a:t>
-            </a:r>
-            <a:r>
-              <a:rPr lang="en-US" sz="1400" i="1" dirty="0" err="1" smtClean="0">
-                <a:latin typeface="Arial"/>
-                <a:cs typeface="Arial"/>
-              </a:rPr>
-              <a:t>oa</a:t>
+              <a:t>koa</a:t>
             </a:r>
             <a:endParaRPr lang="en-US" sz="1400" i="1" dirty="0">
               <a:latin typeface="Arial"/>
@@ -3848,23 +3823,19 @@
           <a:lstStyle/>
           <a:p>
             <a:r>
-              <a:rPr lang="en-US" sz="1400" i="1" dirty="0" err="1" smtClean="0">
+              <a:rPr lang="en-US" sz="1400" i="1" dirty="0" err="1">
                 <a:latin typeface="Arial"/>
                 <a:cs typeface="Arial"/>
               </a:rPr>
               <a:t>Rubus</a:t>
             </a:r>
             <a:r>
-              <a:rPr lang="en-US" sz="1400" dirty="0" smtClean="0">
+              <a:rPr lang="en-US" sz="1400" dirty="0">
                 <a:latin typeface="Arial"/>
                 <a:cs typeface="Arial"/>
               </a:rPr>
               <a:t> spp.</a:t>
             </a:r>
-            <a:endParaRPr lang="en-US" sz="1400" dirty="0">
-              <a:latin typeface="Arial"/>
-              <a:cs typeface="Arial"/>
-            </a:endParaRPr>
           </a:p>
         </p:txBody>
       </p:sp>
@@ -3876,7 +3847,7 @@
         </p:nvSpPr>
         <p:spPr>
           <a:xfrm>
-            <a:off x="1398653" y="-62141"/>
+            <a:off x="1398653" y="2254"/>
             <a:ext cx="1912315" cy="369332"/>
           </a:xfrm>
           <a:prstGeom prst="rect">
@@ -3891,11 +3862,11 @@
           <a:lstStyle/>
           <a:p>
             <a:r>
-              <a:rPr lang="en-US" i="1" dirty="0" smtClean="0"/>
+              <a:rPr lang="en-US" i="1" dirty="0"/>
               <a:t>Nitrogen </a:t>
             </a:r>
             <a:r>
-              <a:rPr lang="en-US" i="1" dirty="0" err="1" smtClean="0"/>
+              <a:rPr lang="en-US" i="1" dirty="0" err="1"/>
               <a:t>isoscape</a:t>
             </a:r>
             <a:endParaRPr lang="en-US" i="1" dirty="0"/>
@@ -3910,7 +3881,7 @@
         </p:nvSpPr>
         <p:spPr>
           <a:xfrm>
-            <a:off x="5647637" y="-57497"/>
+            <a:off x="5647637" y="6898"/>
             <a:ext cx="1762296" cy="369332"/>
           </a:xfrm>
           <a:prstGeom prst="rect">
@@ -3925,11 +3896,11 @@
           <a:lstStyle/>
           <a:p>
             <a:r>
-              <a:rPr lang="en-US" i="1" dirty="0" smtClean="0"/>
+              <a:rPr lang="en-US" i="1" dirty="0"/>
               <a:t>Carbon </a:t>
             </a:r>
             <a:r>
-              <a:rPr lang="en-US" i="1" dirty="0" err="1" smtClean="0"/>
+              <a:rPr lang="en-US" i="1" dirty="0" err="1"/>
               <a:t>isoscape</a:t>
             </a:r>
             <a:endParaRPr lang="en-US" i="1" dirty="0"/>
@@ -3959,21 +3930,21 @@
           <a:lstStyle/>
           <a:p>
             <a:r>
-              <a:rPr lang="el-GR" sz="1400" dirty="0" smtClean="0">
+              <a:rPr lang="el-GR" sz="1400" dirty="0">
                 <a:latin typeface="Arial"/>
                 <a:cs typeface="Arial"/>
               </a:rPr>
               <a:t>δ</a:t>
             </a:r>
             <a:r>
-              <a:rPr lang="el-GR" sz="1400" baseline="30000" dirty="0" smtClean="0">
+              <a:rPr lang="el-GR" sz="1400" baseline="30000" dirty="0">
                 <a:latin typeface="Arial"/>
                 <a:cs typeface="Arial"/>
               </a:rPr>
               <a:t>1</a:t>
             </a:r>
             <a:r>
-              <a:rPr lang="en-US" sz="1400" baseline="30000" dirty="0" smtClean="0">
+              <a:rPr lang="en-US" sz="1400" baseline="30000" dirty="0">
                 <a:latin typeface="Arial"/>
                 <a:cs typeface="Arial"/>
               </a:rPr>
@@ -3987,21 +3958,21 @@
               <a:t>N</a:t>
             </a:r>
             <a:r>
-              <a:rPr lang="el-GR" sz="1400" dirty="0" smtClean="0">
+              <a:rPr lang="el-GR" sz="1400" dirty="0">
                 <a:latin typeface="Arial"/>
                 <a:cs typeface="Arial"/>
               </a:rPr>
               <a:t> </a:t>
             </a:r>
             <a:r>
-              <a:rPr lang="en-US" sz="1400" dirty="0" smtClean="0">
+              <a:rPr lang="en-US" sz="1400" dirty="0">
                 <a:latin typeface="Arial"/>
                 <a:cs typeface="Arial"/>
               </a:rPr>
               <a:t> </a:t>
             </a:r>
             <a:r>
-              <a:rPr lang="el-GR" sz="1400" dirty="0" smtClean="0">
+              <a:rPr lang="el-GR" sz="1400" dirty="0">
                 <a:latin typeface="Arial"/>
                 <a:cs typeface="Arial"/>
               </a:rPr>
@@ -4195,16 +4166,12 @@
             <a:lstStyle/>
             <a:p>
               <a:r>
-                <a:rPr lang="en-US" sz="1200" dirty="0" smtClean="0">
+                <a:rPr lang="en-US" sz="1200" dirty="0">
                   <a:latin typeface="Arial"/>
                   <a:cs typeface="Arial"/>
                 </a:rPr>
                 <a:t>N</a:t>
               </a:r>
-              <a:endParaRPr lang="en-US" sz="1200" dirty="0">
-                <a:latin typeface="Arial"/>
-                <a:cs typeface="Arial"/>
-              </a:endParaRPr>
             </a:p>
           </p:txBody>
         </p:sp>

--- a/figures/pau/plant-soil isoscape combined.pptx
+++ b/figures/pau/plant-soil isoscape combined.pptx
@@ -7,7 +7,7 @@
   <p:sldIdLst>
     <p:sldId id="256" r:id="rId2"/>
   </p:sldIdLst>
-  <p:sldSz cx="9144000" cy="6858000" type="screen4x3"/>
+  <p:sldSz cx="7772400" cy="6400800"/>
   <p:notesSz cx="6858000" cy="9144000"/>
   <p:defaultTextStyle>
     <a:defPPr>
@@ -107,12 +107,12 @@
   <p:extLst>
     <p:ext uri="{EFAFB233-063F-42B5-8137-9DF3F51BA10A}">
       <p15:sldGuideLst xmlns:p15="http://schemas.microsoft.com/office/powerpoint/2012/main">
-        <p15:guide id="1" orient="horz" pos="2160">
+        <p15:guide id="1" orient="horz" pos="2016" userDrawn="1">
           <p15:clr>
             <a:srgbClr val="A4A3A4"/>
           </p15:clr>
         </p15:guide>
-        <p15:guide id="2" pos="2880">
+        <p15:guide id="2" pos="2448" userDrawn="1">
           <p15:clr>
             <a:srgbClr val="A4A3A4"/>
           </p15:clr>
@@ -152,8 +152,8 @@
         </p:nvSpPr>
         <p:spPr>
           <a:xfrm>
-            <a:off x="685800" y="2130425"/>
-            <a:ext cx="7772400" cy="1470025"/>
+            <a:off x="582930" y="1988399"/>
+            <a:ext cx="6606540" cy="1372023"/>
           </a:xfrm>
         </p:spPr>
         <p:txBody>
@@ -179,8 +179,8 @@
         </p:nvSpPr>
         <p:spPr>
           <a:xfrm>
-            <a:off x="1371600" y="3886200"/>
-            <a:ext cx="6400800" cy="1752600"/>
+            <a:off x="1165860" y="3627120"/>
+            <a:ext cx="5440680" cy="1635760"/>
           </a:xfrm>
         </p:spPr>
         <p:txBody>
@@ -302,7 +302,7 @@
           <a:p>
             <a:fld id="{6761E3C2-9BEC-E04E-909B-4B2F00AFE974}" type="datetimeFigureOut">
               <a:rPr lang="en-US" smtClean="0"/>
-              <a:t>2/23/22</a:t>
+              <a:t>7/22/22</a:t>
             </a:fld>
             <a:endParaRPr lang="en-US"/>
           </a:p>
@@ -470,7 +470,7 @@
           <a:p>
             <a:fld id="{6761E3C2-9BEC-E04E-909B-4B2F00AFE974}" type="datetimeFigureOut">
               <a:rPr lang="en-US" smtClean="0"/>
-              <a:t>2/23/22</a:t>
+              <a:t>7/22/22</a:t>
             </a:fld>
             <a:endParaRPr lang="en-US"/>
           </a:p>
@@ -560,8 +560,8 @@
         </p:nvSpPr>
         <p:spPr>
           <a:xfrm>
-            <a:off x="6629400" y="274638"/>
-            <a:ext cx="2057400" cy="5851525"/>
+            <a:off x="5634990" y="256331"/>
+            <a:ext cx="1748790" cy="5461423"/>
           </a:xfrm>
         </p:spPr>
         <p:txBody>
@@ -587,8 +587,8 @@
         </p:nvSpPr>
         <p:spPr>
           <a:xfrm>
-            <a:off x="457200" y="274638"/>
-            <a:ext cx="6019800" cy="5851525"/>
+            <a:off x="388620" y="256331"/>
+            <a:ext cx="5116830" cy="5461423"/>
           </a:xfrm>
         </p:spPr>
         <p:txBody>
@@ -648,7 +648,7 @@
           <a:p>
             <a:fld id="{6761E3C2-9BEC-E04E-909B-4B2F00AFE974}" type="datetimeFigureOut">
               <a:rPr lang="en-US" smtClean="0"/>
-              <a:t>2/23/22</a:t>
+              <a:t>7/22/22</a:t>
             </a:fld>
             <a:endParaRPr lang="en-US"/>
           </a:p>
@@ -816,7 +816,7 @@
           <a:p>
             <a:fld id="{6761E3C2-9BEC-E04E-909B-4B2F00AFE974}" type="datetimeFigureOut">
               <a:rPr lang="en-US" smtClean="0"/>
-              <a:t>2/23/22</a:t>
+              <a:t>7/22/22</a:t>
             </a:fld>
             <a:endParaRPr lang="en-US"/>
           </a:p>
@@ -906,8 +906,8 @@
         </p:nvSpPr>
         <p:spPr>
           <a:xfrm>
-            <a:off x="722313" y="4406900"/>
-            <a:ext cx="7772400" cy="1362075"/>
+            <a:off x="613966" y="4113108"/>
+            <a:ext cx="6606540" cy="1271270"/>
           </a:xfrm>
         </p:spPr>
         <p:txBody>
@@ -937,8 +937,8 @@
         </p:nvSpPr>
         <p:spPr>
           <a:xfrm>
-            <a:off x="722313" y="2906713"/>
-            <a:ext cx="7772400" cy="1500187"/>
+            <a:off x="613966" y="2712933"/>
+            <a:ext cx="6606540" cy="1400175"/>
           </a:xfrm>
         </p:spPr>
         <p:txBody>
@@ -1061,7 +1061,7 @@
           <a:p>
             <a:fld id="{6761E3C2-9BEC-E04E-909B-4B2F00AFE974}" type="datetimeFigureOut">
               <a:rPr lang="en-US" smtClean="0"/>
-              <a:t>2/23/22</a:t>
+              <a:t>7/22/22</a:t>
             </a:fld>
             <a:endParaRPr lang="en-US"/>
           </a:p>
@@ -1173,8 +1173,8 @@
         </p:nvSpPr>
         <p:spPr>
           <a:xfrm>
-            <a:off x="457200" y="1600200"/>
-            <a:ext cx="4038600" cy="4525963"/>
+            <a:off x="388620" y="1493521"/>
+            <a:ext cx="3432810" cy="4224232"/>
           </a:xfrm>
         </p:spPr>
         <p:txBody>
@@ -1257,8 +1257,8 @@
         </p:nvSpPr>
         <p:spPr>
           <a:xfrm>
-            <a:off x="4648200" y="1600200"/>
-            <a:ext cx="4038600" cy="4525963"/>
+            <a:off x="3950970" y="1493521"/>
+            <a:ext cx="3432810" cy="4224232"/>
           </a:xfrm>
         </p:spPr>
         <p:txBody>
@@ -1346,7 +1346,7 @@
           <a:p>
             <a:fld id="{6761E3C2-9BEC-E04E-909B-4B2F00AFE974}" type="datetimeFigureOut">
               <a:rPr lang="en-US" smtClean="0"/>
-              <a:t>2/23/22</a:t>
+              <a:t>7/22/22</a:t>
             </a:fld>
             <a:endParaRPr lang="en-US"/>
           </a:p>
@@ -1462,8 +1462,8 @@
         </p:nvSpPr>
         <p:spPr>
           <a:xfrm>
-            <a:off x="457200" y="1535113"/>
-            <a:ext cx="4040188" cy="639762"/>
+            <a:off x="388621" y="1432773"/>
+            <a:ext cx="3434160" cy="597111"/>
           </a:xfrm>
         </p:spPr>
         <p:txBody>
@@ -1527,8 +1527,8 @@
         </p:nvSpPr>
         <p:spPr>
           <a:xfrm>
-            <a:off x="457200" y="2174875"/>
-            <a:ext cx="4040188" cy="3951288"/>
+            <a:off x="388621" y="2029884"/>
+            <a:ext cx="3434160" cy="3687869"/>
           </a:xfrm>
         </p:spPr>
         <p:txBody>
@@ -1611,8 +1611,8 @@
         </p:nvSpPr>
         <p:spPr>
           <a:xfrm>
-            <a:off x="4645025" y="1535113"/>
-            <a:ext cx="4041775" cy="639762"/>
+            <a:off x="3948272" y="1432773"/>
+            <a:ext cx="3435509" cy="597111"/>
           </a:xfrm>
         </p:spPr>
         <p:txBody>
@@ -1676,8 +1676,8 @@
         </p:nvSpPr>
         <p:spPr>
           <a:xfrm>
-            <a:off x="4645025" y="2174875"/>
-            <a:ext cx="4041775" cy="3951288"/>
+            <a:off x="3948272" y="2029884"/>
+            <a:ext cx="3435509" cy="3687869"/>
           </a:xfrm>
         </p:spPr>
         <p:txBody>
@@ -1765,7 +1765,7 @@
           <a:p>
             <a:fld id="{6761E3C2-9BEC-E04E-909B-4B2F00AFE974}" type="datetimeFigureOut">
               <a:rPr lang="en-US" smtClean="0"/>
-              <a:t>2/23/22</a:t>
+              <a:t>7/22/22</a:t>
             </a:fld>
             <a:endParaRPr lang="en-US"/>
           </a:p>
@@ -1882,7 +1882,7 @@
           <a:p>
             <a:fld id="{6761E3C2-9BEC-E04E-909B-4B2F00AFE974}" type="datetimeFigureOut">
               <a:rPr lang="en-US" smtClean="0"/>
-              <a:t>2/23/22</a:t>
+              <a:t>7/22/22</a:t>
             </a:fld>
             <a:endParaRPr lang="en-US"/>
           </a:p>
@@ -1977,7 +1977,7 @@
           <a:p>
             <a:fld id="{6761E3C2-9BEC-E04E-909B-4B2F00AFE974}" type="datetimeFigureOut">
               <a:rPr lang="en-US" smtClean="0"/>
-              <a:t>2/23/22</a:t>
+              <a:t>7/22/22</a:t>
             </a:fld>
             <a:endParaRPr lang="en-US"/>
           </a:p>
@@ -2067,8 +2067,8 @@
         </p:nvSpPr>
         <p:spPr>
           <a:xfrm>
-            <a:off x="457200" y="273050"/>
-            <a:ext cx="3008313" cy="1162050"/>
+            <a:off x="388620" y="254847"/>
+            <a:ext cx="2557066" cy="1084580"/>
           </a:xfrm>
         </p:spPr>
         <p:txBody>
@@ -2098,8 +2098,8 @@
         </p:nvSpPr>
         <p:spPr>
           <a:xfrm>
-            <a:off x="3575050" y="273050"/>
-            <a:ext cx="5111750" cy="5853113"/>
+            <a:off x="3038794" y="254849"/>
+            <a:ext cx="4344988" cy="5462905"/>
           </a:xfrm>
         </p:spPr>
         <p:txBody>
@@ -2182,8 +2182,8 @@
         </p:nvSpPr>
         <p:spPr>
           <a:xfrm>
-            <a:off x="457200" y="1435100"/>
-            <a:ext cx="3008313" cy="4691063"/>
+            <a:off x="388620" y="1339429"/>
+            <a:ext cx="2557066" cy="4378325"/>
           </a:xfrm>
         </p:spPr>
         <p:txBody>
@@ -2252,7 +2252,7 @@
           <a:p>
             <a:fld id="{6761E3C2-9BEC-E04E-909B-4B2F00AFE974}" type="datetimeFigureOut">
               <a:rPr lang="en-US" smtClean="0"/>
-              <a:t>2/23/22</a:t>
+              <a:t>7/22/22</a:t>
             </a:fld>
             <a:endParaRPr lang="en-US"/>
           </a:p>
@@ -2342,8 +2342,8 @@
         </p:nvSpPr>
         <p:spPr>
           <a:xfrm>
-            <a:off x="1792288" y="4800600"/>
-            <a:ext cx="5486400" cy="566738"/>
+            <a:off x="1523445" y="4480561"/>
+            <a:ext cx="4663440" cy="528955"/>
           </a:xfrm>
         </p:spPr>
         <p:txBody>
@@ -2373,8 +2373,8 @@
         </p:nvSpPr>
         <p:spPr>
           <a:xfrm>
-            <a:off x="1792288" y="612775"/>
-            <a:ext cx="5486400" cy="4114800"/>
+            <a:off x="1523445" y="571923"/>
+            <a:ext cx="4663440" cy="3840480"/>
           </a:xfrm>
         </p:spPr>
         <p:txBody>
@@ -2434,8 +2434,8 @@
         </p:nvSpPr>
         <p:spPr>
           <a:xfrm>
-            <a:off x="1792288" y="5367338"/>
-            <a:ext cx="5486400" cy="804862"/>
+            <a:off x="1523445" y="5009516"/>
+            <a:ext cx="4663440" cy="751205"/>
           </a:xfrm>
         </p:spPr>
         <p:txBody>
@@ -2504,7 +2504,7 @@
           <a:p>
             <a:fld id="{6761E3C2-9BEC-E04E-909B-4B2F00AFE974}" type="datetimeFigureOut">
               <a:rPr lang="en-US" smtClean="0"/>
-              <a:t>2/23/22</a:t>
+              <a:t>7/22/22</a:t>
             </a:fld>
             <a:endParaRPr lang="en-US"/>
           </a:p>
@@ -2599,8 +2599,8 @@
         </p:nvSpPr>
         <p:spPr>
           <a:xfrm>
-            <a:off x="457200" y="274638"/>
-            <a:ext cx="8229600" cy="1143000"/>
+            <a:off x="388620" y="256329"/>
+            <a:ext cx="6995160" cy="1066800"/>
           </a:xfrm>
           <a:prstGeom prst="rect">
             <a:avLst/>
@@ -2631,8 +2631,8 @@
         </p:nvSpPr>
         <p:spPr>
           <a:xfrm>
-            <a:off x="457200" y="1600200"/>
-            <a:ext cx="8229600" cy="4525963"/>
+            <a:off x="388620" y="1493521"/>
+            <a:ext cx="6995160" cy="4224232"/>
           </a:xfrm>
           <a:prstGeom prst="rect">
             <a:avLst/>
@@ -2692,8 +2692,8 @@
         </p:nvSpPr>
         <p:spPr>
           <a:xfrm>
-            <a:off x="457200" y="6356350"/>
-            <a:ext cx="2133600" cy="365125"/>
+            <a:off x="388620" y="5932596"/>
+            <a:ext cx="1813560" cy="340783"/>
           </a:xfrm>
           <a:prstGeom prst="rect">
             <a:avLst/>
@@ -2715,7 +2715,7 @@
           <a:p>
             <a:fld id="{6761E3C2-9BEC-E04E-909B-4B2F00AFE974}" type="datetimeFigureOut">
               <a:rPr lang="en-US" smtClean="0"/>
-              <a:t>2/23/22</a:t>
+              <a:t>7/22/22</a:t>
             </a:fld>
             <a:endParaRPr lang="en-US"/>
           </a:p>
@@ -2733,8 +2733,8 @@
         </p:nvSpPr>
         <p:spPr>
           <a:xfrm>
-            <a:off x="3124200" y="6356350"/>
-            <a:ext cx="2895600" cy="365125"/>
+            <a:off x="2655570" y="5932596"/>
+            <a:ext cx="2461260" cy="340783"/>
           </a:xfrm>
           <a:prstGeom prst="rect">
             <a:avLst/>
@@ -2770,8 +2770,8 @@
         </p:nvSpPr>
         <p:spPr>
           <a:xfrm>
-            <a:off x="6553200" y="6356350"/>
-            <a:ext cx="2133600" cy="365125"/>
+            <a:off x="5570220" y="5932596"/>
+            <a:ext cx="1813560" cy="340783"/>
           </a:xfrm>
           <a:prstGeom prst="rect">
             <a:avLst/>
@@ -3090,6 +3090,122 @@
           <a:chExt cx="0" cy="0"/>
         </a:xfrm>
       </p:grpSpPr>
+      <p:pic>
+        <p:nvPicPr>
+          <p:cNvPr id="43" name="Picture 42" descr="A picture containing calendar&#10;&#10;Description automatically generated">
+            <a:extLst>
+              <a:ext uri="{FF2B5EF4-FFF2-40B4-BE49-F238E27FC236}">
+                <a16:creationId xmlns:a16="http://schemas.microsoft.com/office/drawing/2014/main" id="{A7E06FC2-A0EE-714E-AAF3-D876C76EE576}"/>
+              </a:ext>
+            </a:extLst>
+          </p:cNvPr>
+          <p:cNvPicPr>
+            <a:picLocks noChangeAspect="1"/>
+          </p:cNvPicPr>
+          <p:nvPr/>
+        </p:nvPicPr>
+        <p:blipFill rotWithShape="1">
+          <a:blip r:embed="rId2"/>
+          <a:srcRect l="1899" t="23608" r="50917" b="20696"/>
+          <a:stretch/>
+        </p:blipFill>
+        <p:spPr>
+          <a:xfrm>
+            <a:off x="299674" y="335577"/>
+            <a:ext cx="3730046" cy="2201476"/>
+          </a:xfrm>
+          <a:prstGeom prst="rect">
+            <a:avLst/>
+          </a:prstGeom>
+        </p:spPr>
+      </p:pic>
+      <p:pic>
+        <p:nvPicPr>
+          <p:cNvPr id="58" name="Picture 57" descr="A picture containing calendar&#10;&#10;Description automatically generated">
+            <a:extLst>
+              <a:ext uri="{FF2B5EF4-FFF2-40B4-BE49-F238E27FC236}">
+                <a16:creationId xmlns:a16="http://schemas.microsoft.com/office/drawing/2014/main" id="{820F311B-DB78-F848-B2F5-CDF5661A5B5E}"/>
+              </a:ext>
+            </a:extLst>
+          </p:cNvPr>
+          <p:cNvPicPr>
+            <a:picLocks noChangeAspect="1"/>
+          </p:cNvPicPr>
+          <p:nvPr/>
+        </p:nvPicPr>
+        <p:blipFill rotWithShape="1">
+          <a:blip r:embed="rId2"/>
+          <a:srcRect l="60463" t="9147" r="7606" b="7116"/>
+          <a:stretch/>
+        </p:blipFill>
+        <p:spPr>
+          <a:xfrm>
+            <a:off x="379866" y="2793364"/>
+            <a:ext cx="2751209" cy="3607437"/>
+          </a:xfrm>
+          <a:prstGeom prst="rect">
+            <a:avLst/>
+          </a:prstGeom>
+        </p:spPr>
+      </p:pic>
+      <p:pic>
+        <p:nvPicPr>
+          <p:cNvPr id="60" name="Picture 59" descr="A picture containing diagram&#10;&#10;Description automatically generated">
+            <a:extLst>
+              <a:ext uri="{FF2B5EF4-FFF2-40B4-BE49-F238E27FC236}">
+                <a16:creationId xmlns:a16="http://schemas.microsoft.com/office/drawing/2014/main" id="{126B71E1-D466-6E40-B6AD-C988EE96A96C}"/>
+              </a:ext>
+            </a:extLst>
+          </p:cNvPr>
+          <p:cNvPicPr>
+            <a:picLocks noChangeAspect="1"/>
+          </p:cNvPicPr>
+          <p:nvPr/>
+        </p:nvPicPr>
+        <p:blipFill rotWithShape="1">
+          <a:blip r:embed="rId3"/>
+          <a:srcRect l="59270" t="8442" r="7607" b="6718"/>
+          <a:stretch/>
+        </p:blipFill>
+        <p:spPr>
+          <a:xfrm>
+            <a:off x="3314222" y="2752401"/>
+            <a:ext cx="2853890" cy="3654941"/>
+          </a:xfrm>
+          <a:prstGeom prst="rect">
+            <a:avLst/>
+          </a:prstGeom>
+        </p:spPr>
+      </p:pic>
+      <p:pic>
+        <p:nvPicPr>
+          <p:cNvPr id="69" name="Picture 68" descr="A picture containing diagram&#10;&#10;Description automatically generated">
+            <a:extLst>
+              <a:ext uri="{FF2B5EF4-FFF2-40B4-BE49-F238E27FC236}">
+                <a16:creationId xmlns:a16="http://schemas.microsoft.com/office/drawing/2014/main" id="{3A4BFA88-F8BA-7341-84B2-C9E4F3F5D45F}"/>
+              </a:ext>
+            </a:extLst>
+          </p:cNvPr>
+          <p:cNvPicPr>
+            <a:picLocks noChangeAspect="1"/>
+          </p:cNvPicPr>
+          <p:nvPr/>
+        </p:nvPicPr>
+        <p:blipFill rotWithShape="1">
+          <a:blip r:embed="rId3"/>
+          <a:srcRect l="2026" t="23354" r="50917" b="20696"/>
+          <a:stretch/>
+        </p:blipFill>
+        <p:spPr>
+          <a:xfrm>
+            <a:off x="4010099" y="322487"/>
+            <a:ext cx="3725228" cy="2214566"/>
+          </a:xfrm>
+          <a:prstGeom prst="rect">
+            <a:avLst/>
+          </a:prstGeom>
+        </p:spPr>
+      </p:pic>
       <p:sp>
         <p:nvSpPr>
           <p:cNvPr id="12" name="TextBox 11"/>
@@ -3098,8 +3214,8 @@
         </p:nvSpPr>
         <p:spPr>
           <a:xfrm rot="16200000">
-            <a:off x="-870413" y="1395587"/>
-            <a:ext cx="2042258" cy="369332"/>
+            <a:off x="-764675" y="1206545"/>
+            <a:ext cx="1854995" cy="307777"/>
           </a:xfrm>
           <a:prstGeom prst="rect">
             <a:avLst/>
@@ -3113,7 +3229,10 @@
           <a:lstStyle/>
           <a:p>
             <a:r>
-              <a:rPr lang="en-US" b="1" dirty="0"/>
+              <a:rPr lang="en-US" sz="1400" b="1" dirty="0">
+                <a:latin typeface="Arial" panose="020B0604020202020204" pitchFamily="34" charset="0"/>
+                <a:cs typeface="Arial" panose="020B0604020202020204" pitchFamily="34" charset="0"/>
+              </a:rPr>
               <a:t>Koa Plantation (KP)</a:t>
             </a:r>
           </a:p>
@@ -3127,8 +3246,8 @@
         </p:nvSpPr>
         <p:spPr>
           <a:xfrm rot="16200000">
-            <a:off x="18518" y="4419182"/>
-            <a:ext cx="2165113" cy="369332"/>
+            <a:off x="-831924" y="4131666"/>
+            <a:ext cx="1975221" cy="307777"/>
           </a:xfrm>
           <a:prstGeom prst="rect">
             <a:avLst/>
@@ -3142,7 +3261,10 @@
           <a:lstStyle/>
           <a:p>
             <a:r>
-              <a:rPr lang="en-US" b="1" dirty="0"/>
+              <a:rPr lang="en-US" sz="1400" b="1" dirty="0">
+                <a:latin typeface="Arial" panose="020B0604020202020204" pitchFamily="34" charset="0"/>
+                <a:cs typeface="Arial" panose="020B0604020202020204" pitchFamily="34" charset="0"/>
+              </a:rPr>
               <a:t>Remnant Forest (RK)</a:t>
             </a:r>
           </a:p>
@@ -3156,8 +3278,8 @@
         </p:nvSpPr>
         <p:spPr>
           <a:xfrm>
-            <a:off x="-8864" y="57310"/>
-            <a:ext cx="324128" cy="369332"/>
+            <a:off x="377136" y="44390"/>
+            <a:ext cx="295274" cy="276999"/>
           </a:xfrm>
           <a:prstGeom prst="rect">
             <a:avLst/>
@@ -3171,7 +3293,10 @@
           <a:lstStyle/>
           <a:p>
             <a:r>
-              <a:rPr lang="en-US" b="1" dirty="0"/>
+              <a:rPr lang="en-US" sz="1200" b="1" dirty="0">
+                <a:latin typeface="Arial" panose="020B0604020202020204" pitchFamily="34" charset="0"/>
+                <a:cs typeface="Arial" panose="020B0604020202020204" pitchFamily="34" charset="0"/>
+              </a:rPr>
               <a:t>A</a:t>
             </a:r>
           </a:p>
@@ -3185,8 +3310,8 @@
         </p:nvSpPr>
         <p:spPr>
           <a:xfrm>
-            <a:off x="939715" y="2775808"/>
-            <a:ext cx="314510" cy="369332"/>
+            <a:off x="322409" y="2556316"/>
+            <a:ext cx="295274" cy="276999"/>
           </a:xfrm>
           <a:prstGeom prst="rect">
             <a:avLst/>
@@ -3200,7 +3325,10 @@
           <a:lstStyle/>
           <a:p>
             <a:r>
-              <a:rPr lang="en-US" b="1" dirty="0"/>
+              <a:rPr lang="en-US" sz="1200" b="1" dirty="0">
+                <a:latin typeface="Arial" panose="020B0604020202020204" pitchFamily="34" charset="0"/>
+                <a:cs typeface="Arial" panose="020B0604020202020204" pitchFamily="34" charset="0"/>
+              </a:rPr>
               <a:t>B</a:t>
             </a:r>
           </a:p>
@@ -3214,8 +3342,8 @@
         </p:nvSpPr>
         <p:spPr>
           <a:xfrm>
-            <a:off x="4814211" y="2797093"/>
-            <a:ext cx="330540" cy="369332"/>
+            <a:off x="3243228" y="2549044"/>
+            <a:ext cx="295274" cy="276999"/>
           </a:xfrm>
           <a:prstGeom prst="rect">
             <a:avLst/>
@@ -3229,7 +3357,10 @@
           <a:lstStyle/>
           <a:p>
             <a:r>
-              <a:rPr lang="en-US" b="1" dirty="0"/>
+              <a:rPr lang="en-US" sz="1200" b="1" dirty="0">
+                <a:latin typeface="Arial" panose="020B0604020202020204" pitchFamily="34" charset="0"/>
+                <a:cs typeface="Arial" panose="020B0604020202020204" pitchFamily="34" charset="0"/>
+              </a:rPr>
               <a:t>D</a:t>
             </a:r>
           </a:p>
@@ -3242,9 +3373,9 @@
           <p:nvPr/>
         </p:nvSpPr>
         <p:spPr>
-          <a:xfrm rot="16200000">
-            <a:off x="7694128" y="4543216"/>
-            <a:ext cx="826689" cy="307777"/>
+          <a:xfrm>
+            <a:off x="5361147" y="2550387"/>
+            <a:ext cx="736099" cy="276999"/>
           </a:xfrm>
           <a:prstGeom prst="rect">
             <a:avLst/>
@@ -3258,43 +3389,277 @@
           <a:lstStyle/>
           <a:p>
             <a:r>
-              <a:rPr lang="el-GR" sz="1400" dirty="0">
-                <a:latin typeface="Arial"/>
-                <a:cs typeface="Arial"/>
+              <a:rPr lang="el-GR" sz="1200" dirty="0">
+                <a:latin typeface="Arial" panose="020B0604020202020204" pitchFamily="34" charset="0"/>
+                <a:cs typeface="Arial" panose="020B0604020202020204" pitchFamily="34" charset="0"/>
               </a:rPr>
               <a:t>δ</a:t>
             </a:r>
             <a:r>
-              <a:rPr lang="el-GR" sz="1400" baseline="30000" dirty="0">
-                <a:latin typeface="Arial"/>
-                <a:cs typeface="Arial"/>
+              <a:rPr lang="el-GR" sz="1200" baseline="30000" dirty="0">
+                <a:latin typeface="Arial" panose="020B0604020202020204" pitchFamily="34" charset="0"/>
+                <a:cs typeface="Arial" panose="020B0604020202020204" pitchFamily="34" charset="0"/>
               </a:rPr>
               <a:t>13</a:t>
             </a:r>
             <a:r>
-              <a:rPr lang="el-GR" sz="1400" dirty="0">
-                <a:latin typeface="Arial"/>
-                <a:cs typeface="Arial"/>
+              <a:rPr lang="el-GR" sz="1200" dirty="0">
+                <a:latin typeface="Arial" panose="020B0604020202020204" pitchFamily="34" charset="0"/>
+                <a:cs typeface="Arial" panose="020B0604020202020204" pitchFamily="34" charset="0"/>
               </a:rPr>
-              <a:t>C </a:t>
-            </a:r>
-            <a:r>
-              <a:rPr lang="en-US" sz="1400" dirty="0">
-                <a:latin typeface="Arial"/>
-                <a:cs typeface="Arial"/>
+              <a:t>C ‰ </a:t>
+            </a:r>
+            <a:endParaRPr lang="en-US" sz="1200" dirty="0">
+              <a:latin typeface="Arial" panose="020B0604020202020204" pitchFamily="34" charset="0"/>
+              <a:cs typeface="Arial" panose="020B0604020202020204" pitchFamily="34" charset="0"/>
+            </a:endParaRPr>
+          </a:p>
+        </p:txBody>
+      </p:sp>
+      <p:sp>
+        <p:nvSpPr>
+          <p:cNvPr id="18" name="TextBox 17"/>
+          <p:cNvSpPr txBox="1"/>
+          <p:nvPr/>
+        </p:nvSpPr>
+        <p:spPr>
+          <a:xfrm>
+            <a:off x="4026541" y="72712"/>
+            <a:ext cx="295274" cy="276999"/>
+          </a:xfrm>
+          <a:prstGeom prst="rect">
+            <a:avLst/>
+          </a:prstGeom>
+          <a:noFill/>
+        </p:spPr>
+        <p:txBody>
+          <a:bodyPr wrap="none" rtlCol="0">
+            <a:spAutoFit/>
+          </a:bodyPr>
+          <a:lstStyle/>
+          <a:p>
+            <a:r>
+              <a:rPr lang="de-DE" sz="1200" b="1" dirty="0">
+                <a:latin typeface="Arial" panose="020B0604020202020204" pitchFamily="34" charset="0"/>
+                <a:cs typeface="Arial" panose="020B0604020202020204" pitchFamily="34" charset="0"/>
+              </a:rPr>
+              <a:t>C</a:t>
+            </a:r>
+            <a:endParaRPr lang="en-US" sz="1200" b="1" dirty="0">
+              <a:latin typeface="Arial" panose="020B0604020202020204" pitchFamily="34" charset="0"/>
+              <a:cs typeface="Arial" panose="020B0604020202020204" pitchFamily="34" charset="0"/>
+            </a:endParaRPr>
+          </a:p>
+        </p:txBody>
+      </p:sp>
+      <p:sp>
+        <p:nvSpPr>
+          <p:cNvPr id="15" name="TextBox 14"/>
+          <p:cNvSpPr txBox="1"/>
+          <p:nvPr/>
+        </p:nvSpPr>
+        <p:spPr>
+          <a:xfrm>
+            <a:off x="1392311" y="-32024"/>
+            <a:ext cx="1790875" cy="369332"/>
+          </a:xfrm>
+          <a:prstGeom prst="rect">
+            <a:avLst/>
+          </a:prstGeom>
+          <a:noFill/>
+        </p:spPr>
+        <p:txBody>
+          <a:bodyPr wrap="none" rtlCol="0">
+            <a:spAutoFit/>
+          </a:bodyPr>
+          <a:lstStyle/>
+          <a:p>
+            <a:r>
+              <a:rPr lang="en-US" sz="1600" dirty="0">
+                <a:latin typeface="Arial" panose="020B0604020202020204" pitchFamily="34" charset="0"/>
+                <a:cs typeface="Arial" panose="020B0604020202020204" pitchFamily="34" charset="0"/>
+              </a:rPr>
+              <a:t>Soil + foliar</a:t>
+            </a:r>
+            <a:r>
+              <a:rPr lang="el-GR" sz="1600" dirty="0">
+                <a:latin typeface="Arial" panose="020B0604020202020204" pitchFamily="34" charset="0"/>
+                <a:cs typeface="Arial" panose="020B0604020202020204" pitchFamily="34" charset="0"/>
+              </a:rPr>
+              <a:t> δ</a:t>
+            </a:r>
+            <a:r>
+              <a:rPr lang="el-GR" baseline="30000" dirty="0">
+                <a:latin typeface="Arial" panose="020B0604020202020204" pitchFamily="34" charset="0"/>
+                <a:cs typeface="Arial" panose="020B0604020202020204" pitchFamily="34" charset="0"/>
+              </a:rPr>
+              <a:t>1</a:t>
+            </a:r>
+            <a:r>
+              <a:rPr lang="en-US" baseline="30000" dirty="0">
+                <a:latin typeface="Arial" panose="020B0604020202020204" pitchFamily="34" charset="0"/>
+                <a:cs typeface="Arial" panose="020B0604020202020204" pitchFamily="34" charset="0"/>
+              </a:rPr>
+              <a:t>5</a:t>
+            </a:r>
+            <a:r>
+              <a:rPr lang="en-US" sz="1600" dirty="0">
+                <a:latin typeface="Arial" panose="020B0604020202020204" pitchFamily="34" charset="0"/>
+                <a:cs typeface="Arial" panose="020B0604020202020204" pitchFamily="34" charset="0"/>
+              </a:rPr>
+              <a:t>N</a:t>
+            </a:r>
+            <a:r>
+              <a:rPr lang="el-GR" dirty="0">
+                <a:latin typeface="Arial" panose="020B0604020202020204" pitchFamily="34" charset="0"/>
+                <a:cs typeface="Arial" panose="020B0604020202020204" pitchFamily="34" charset="0"/>
               </a:rPr>
               <a:t> </a:t>
             </a:r>
-            <a:r>
-              <a:rPr lang="el-GR" sz="1400" dirty="0">
-                <a:latin typeface="Arial"/>
-                <a:cs typeface="Arial"/>
+            <a:endParaRPr lang="en-US" dirty="0">
+              <a:latin typeface="Arial" panose="020B0604020202020204" pitchFamily="34" charset="0"/>
+              <a:cs typeface="Arial" panose="020B0604020202020204" pitchFamily="34" charset="0"/>
+            </a:endParaRPr>
+          </a:p>
+        </p:txBody>
+      </p:sp>
+      <p:sp>
+        <p:nvSpPr>
+          <p:cNvPr id="11" name="TextBox 10"/>
+          <p:cNvSpPr txBox="1"/>
+          <p:nvPr/>
+        </p:nvSpPr>
+        <p:spPr>
+          <a:xfrm>
+            <a:off x="2418583" y="2545762"/>
+            <a:ext cx="736099" cy="276999"/>
+          </a:xfrm>
+          <a:prstGeom prst="rect">
+            <a:avLst/>
+          </a:prstGeom>
+          <a:noFill/>
+        </p:spPr>
+        <p:txBody>
+          <a:bodyPr wrap="none" rtlCol="0">
+            <a:spAutoFit/>
+          </a:bodyPr>
+          <a:lstStyle/>
+          <a:p>
+            <a:r>
+              <a:rPr lang="el-GR" sz="1200" dirty="0">
+                <a:latin typeface="Arial" panose="020B0604020202020204" pitchFamily="34" charset="0"/>
+                <a:cs typeface="Arial" panose="020B0604020202020204" pitchFamily="34" charset="0"/>
               </a:rPr>
-              <a:t>‰ </a:t>
-            </a:r>
-            <a:endParaRPr lang="en-US" sz="1400" dirty="0">
-              <a:latin typeface="Arial"/>
-              <a:cs typeface="Arial"/>
+              <a:t>δ</a:t>
+            </a:r>
+            <a:r>
+              <a:rPr lang="el-GR" sz="1200" baseline="30000" dirty="0">
+                <a:latin typeface="Arial" panose="020B0604020202020204" pitchFamily="34" charset="0"/>
+                <a:cs typeface="Arial" panose="020B0604020202020204" pitchFamily="34" charset="0"/>
+              </a:rPr>
+              <a:t>1</a:t>
+            </a:r>
+            <a:r>
+              <a:rPr lang="en-US" sz="1200" baseline="30000" dirty="0">
+                <a:latin typeface="Arial" panose="020B0604020202020204" pitchFamily="34" charset="0"/>
+                <a:cs typeface="Arial" panose="020B0604020202020204" pitchFamily="34" charset="0"/>
+              </a:rPr>
+              <a:t>5</a:t>
+            </a:r>
+            <a:r>
+              <a:rPr lang="en-US" sz="1200" dirty="0">
+                <a:latin typeface="Arial" panose="020B0604020202020204" pitchFamily="34" charset="0"/>
+                <a:cs typeface="Arial" panose="020B0604020202020204" pitchFamily="34" charset="0"/>
+              </a:rPr>
+              <a:t>N</a:t>
+            </a:r>
+            <a:r>
+              <a:rPr lang="el-GR" sz="1200" dirty="0">
+                <a:latin typeface="Arial" panose="020B0604020202020204" pitchFamily="34" charset="0"/>
+                <a:cs typeface="Arial" panose="020B0604020202020204" pitchFamily="34" charset="0"/>
+              </a:rPr>
+              <a:t> ‰ </a:t>
+            </a:r>
+            <a:endParaRPr lang="en-US" sz="1200" dirty="0">
+              <a:latin typeface="Arial" panose="020B0604020202020204" pitchFamily="34" charset="0"/>
+              <a:cs typeface="Arial" panose="020B0604020202020204" pitchFamily="34" charset="0"/>
+            </a:endParaRPr>
+          </a:p>
+        </p:txBody>
+      </p:sp>
+      <p:sp>
+        <p:nvSpPr>
+          <p:cNvPr id="51" name="TextBox 50">
+            <a:extLst>
+              <a:ext uri="{FF2B5EF4-FFF2-40B4-BE49-F238E27FC236}">
+                <a16:creationId xmlns:a16="http://schemas.microsoft.com/office/drawing/2014/main" id="{EB3AEB57-D106-7444-B8C0-0828E15A725C}"/>
+              </a:ext>
+            </a:extLst>
+          </p:cNvPr>
+          <p:cNvSpPr txBox="1"/>
+          <p:nvPr/>
+        </p:nvSpPr>
+        <p:spPr>
+          <a:xfrm>
+            <a:off x="5054694" y="-26525"/>
+            <a:ext cx="1757212" cy="369332"/>
+          </a:xfrm>
+          <a:prstGeom prst="rect">
+            <a:avLst/>
+          </a:prstGeom>
+          <a:noFill/>
+        </p:spPr>
+        <p:txBody>
+          <a:bodyPr wrap="none" rtlCol="0">
+            <a:spAutoFit/>
+          </a:bodyPr>
+          <a:lstStyle/>
+          <a:p>
+            <a:r>
+              <a:rPr lang="en-US" sz="1600" dirty="0">
+                <a:latin typeface="Arial" panose="020B0604020202020204" pitchFamily="34" charset="0"/>
+                <a:cs typeface="Arial" panose="020B0604020202020204" pitchFamily="34" charset="0"/>
+              </a:rPr>
+              <a:t>Soil + foliar</a:t>
+            </a:r>
+            <a:r>
+              <a:rPr lang="el-GR" sz="1600" dirty="0">
+                <a:latin typeface="Arial" panose="020B0604020202020204" pitchFamily="34" charset="0"/>
+                <a:cs typeface="Arial" panose="020B0604020202020204" pitchFamily="34" charset="0"/>
+              </a:rPr>
+              <a:t> δ</a:t>
+            </a:r>
+            <a:r>
+              <a:rPr lang="el-GR" baseline="30000" dirty="0">
+                <a:latin typeface="Arial" panose="020B0604020202020204" pitchFamily="34" charset="0"/>
+                <a:cs typeface="Arial" panose="020B0604020202020204" pitchFamily="34" charset="0"/>
+              </a:rPr>
+              <a:t>1</a:t>
+            </a:r>
+            <a:r>
+              <a:rPr lang="en-US" baseline="30000" dirty="0">
+                <a:latin typeface="Arial" panose="020B0604020202020204" pitchFamily="34" charset="0"/>
+                <a:cs typeface="Arial" panose="020B0604020202020204" pitchFamily="34" charset="0"/>
+              </a:rPr>
+              <a:t>3</a:t>
+            </a:r>
+            <a:r>
+              <a:rPr lang="en-US" sz="1600" dirty="0">
+                <a:latin typeface="Arial" panose="020B0604020202020204" pitchFamily="34" charset="0"/>
+                <a:cs typeface="Arial" panose="020B0604020202020204" pitchFamily="34" charset="0"/>
+              </a:rPr>
+              <a:t>C</a:t>
+            </a:r>
+            <a:r>
+              <a:rPr lang="el-GR" dirty="0">
+                <a:latin typeface="Arial" panose="020B0604020202020204" pitchFamily="34" charset="0"/>
+                <a:cs typeface="Arial" panose="020B0604020202020204" pitchFamily="34" charset="0"/>
+              </a:rPr>
+              <a:t> </a:t>
+            </a:r>
+            <a:endParaRPr lang="en-US" dirty="0">
+              <a:latin typeface="Arial" panose="020B0604020202020204" pitchFamily="34" charset="0"/>
+              <a:cs typeface="Arial" panose="020B0604020202020204" pitchFamily="34" charset="0"/>
             </a:endParaRPr>
           </a:p>
         </p:txBody>
@@ -3307,10 +3672,10 @@
         </p:nvGrpSpPr>
         <p:grpSpPr>
           <a:xfrm>
-            <a:off x="2407137" y="6435763"/>
-            <a:ext cx="837162" cy="323669"/>
-            <a:chOff x="7979484" y="2914313"/>
-            <a:chExt cx="837162" cy="323669"/>
+            <a:off x="6815840" y="2596508"/>
+            <a:ext cx="595488" cy="215444"/>
+            <a:chOff x="7910036" y="2959283"/>
+            <a:chExt cx="595488" cy="215444"/>
           </a:xfrm>
         </p:grpSpPr>
         <p:sp>
@@ -3321,8 +3686,8 @@
           </p:nvSpPr>
           <p:spPr>
             <a:xfrm>
-              <a:off x="7979484" y="2914313"/>
-              <a:ext cx="595488" cy="276999"/>
+              <a:off x="7910036" y="2959283"/>
+              <a:ext cx="595488" cy="215444"/>
             </a:xfrm>
             <a:prstGeom prst="rect">
               <a:avLst/>
@@ -3335,8 +3700,9 @@
             </a:bodyPr>
             <a:lstStyle/>
             <a:p>
+              <a:pPr algn="r"/>
               <a:r>
-                <a:rPr lang="en-US" sz="1200" dirty="0">
+                <a:rPr lang="en-US" sz="800" dirty="0">
                   <a:latin typeface="Arial"/>
                   <a:cs typeface="Arial"/>
                 </a:rPr>
@@ -3353,8 +3719,8 @@
           </p:nvSpPr>
           <p:spPr>
             <a:xfrm>
-              <a:off x="7990371" y="3170853"/>
-              <a:ext cx="417285" cy="67129"/>
+              <a:off x="7990371" y="3125637"/>
+              <a:ext cx="417285" cy="45719"/>
             </a:xfrm>
             <a:prstGeom prst="rect">
               <a:avLst/>
@@ -3392,599 +3758,7 @@
             </a:p>
           </p:txBody>
         </p:sp>
-        <p:sp>
-          <p:nvSpPr>
-            <p:cNvPr id="49" name="Rectangle 48"/>
-            <p:cNvSpPr/>
-            <p:nvPr/>
-          </p:nvSpPr>
-          <p:spPr>
-            <a:xfrm>
-              <a:off x="8399361" y="3170853"/>
-              <a:ext cx="417285" cy="67129"/>
-            </a:xfrm>
-            <a:prstGeom prst="rect">
-              <a:avLst/>
-            </a:prstGeom>
-            <a:solidFill>
-              <a:schemeClr val="bg1">
-                <a:lumMod val="75000"/>
-              </a:schemeClr>
-            </a:solidFill>
-            <a:ln w="6350" cmpd="sng">
-              <a:solidFill>
-                <a:srgbClr val="000000"/>
-              </a:solidFill>
-            </a:ln>
-            <a:effectLst/>
-          </p:spPr>
-          <p:style>
-            <a:lnRef idx="1">
-              <a:schemeClr val="accent1"/>
-            </a:lnRef>
-            <a:fillRef idx="3">
-              <a:schemeClr val="accent1"/>
-            </a:fillRef>
-            <a:effectRef idx="2">
-              <a:schemeClr val="accent1"/>
-            </a:effectRef>
-            <a:fontRef idx="minor">
-              <a:schemeClr val="lt1"/>
-            </a:fontRef>
-          </p:style>
-          <p:txBody>
-            <a:bodyPr rtlCol="0" anchor="ctr"/>
-            <a:lstStyle/>
-            <a:p>
-              <a:pPr algn="ctr"/>
-              <a:endParaRPr lang="en-US"/>
-            </a:p>
-          </p:txBody>
-        </p:sp>
       </p:grpSp>
-      <p:pic>
-        <p:nvPicPr>
-          <p:cNvPr id="53" name="Picture 52" descr="RKAK.d15N.krig3.png"/>
-          <p:cNvPicPr>
-            <a:picLocks noChangeAspect="1"/>
-          </p:cNvPicPr>
-          <p:nvPr/>
-        </p:nvPicPr>
-        <p:blipFill rotWithShape="1">
-          <a:blip r:embed="rId2">
-            <a:extLst>
-              <a:ext uri="{28A0092B-C50C-407E-A947-70E740481C1C}">
-                <a14:useLocalDpi xmlns:a14="http://schemas.microsoft.com/office/drawing/2010/main" val="0"/>
-              </a:ext>
-            </a:extLst>
-          </a:blip>
-          <a:srcRect l="1123" t="19444" r="46389" b="15994"/>
-          <a:stretch/>
-        </p:blipFill>
-        <p:spPr>
-          <a:xfrm>
-            <a:off x="331351" y="263886"/>
-            <a:ext cx="4095774" cy="2518982"/>
-          </a:xfrm>
-          <a:prstGeom prst="rect">
-            <a:avLst/>
-          </a:prstGeom>
-        </p:spPr>
-      </p:pic>
-      <p:pic>
-        <p:nvPicPr>
-          <p:cNvPr id="54" name="Picture 53" descr="RKAK.d13C.krig2.png"/>
-          <p:cNvPicPr>
-            <a:picLocks noChangeAspect="1"/>
-          </p:cNvPicPr>
-          <p:nvPr/>
-        </p:nvPicPr>
-        <p:blipFill rotWithShape="1">
-          <a:blip r:embed="rId3">
-            <a:extLst>
-              <a:ext uri="{28A0092B-C50C-407E-A947-70E740481C1C}">
-                <a14:useLocalDpi xmlns:a14="http://schemas.microsoft.com/office/drawing/2010/main" val="0"/>
-              </a:ext>
-            </a:extLst>
-          </a:blip>
-          <a:srcRect l="1124" t="20000" r="45832" b="17082"/>
-          <a:stretch/>
-        </p:blipFill>
-        <p:spPr>
-          <a:xfrm>
-            <a:off x="4480650" y="283594"/>
-            <a:ext cx="4181791" cy="2461201"/>
-          </a:xfrm>
-          <a:prstGeom prst="rect">
-            <a:avLst/>
-          </a:prstGeom>
-        </p:spPr>
-      </p:pic>
-      <p:pic>
-        <p:nvPicPr>
-          <p:cNvPr id="55" name="Picture 54" descr="RKAK.d13C.krig2.png"/>
-          <p:cNvPicPr>
-            <a:picLocks noChangeAspect="1"/>
-          </p:cNvPicPr>
-          <p:nvPr/>
-        </p:nvPicPr>
-        <p:blipFill rotWithShape="1">
-          <a:blip r:embed="rId3">
-            <a:extLst>
-              <a:ext uri="{28A0092B-C50C-407E-A947-70E740481C1C}">
-                <a14:useLocalDpi xmlns:a14="http://schemas.microsoft.com/office/drawing/2010/main" val="0"/>
-              </a:ext>
-            </a:extLst>
-          </a:blip>
-          <a:srcRect l="59722" t="8889" r="5544" b="3889"/>
-          <a:stretch/>
-        </p:blipFill>
-        <p:spPr>
-          <a:xfrm>
-            <a:off x="5147430" y="2820725"/>
-            <a:ext cx="2859802" cy="3590733"/>
-          </a:xfrm>
-          <a:prstGeom prst="rect">
-            <a:avLst/>
-          </a:prstGeom>
-        </p:spPr>
-      </p:pic>
-      <p:pic>
-        <p:nvPicPr>
-          <p:cNvPr id="56" name="Picture 55" descr="RKAK.d15N.krig3.png"/>
-          <p:cNvPicPr>
-            <a:picLocks noChangeAspect="1"/>
-          </p:cNvPicPr>
-          <p:nvPr/>
-        </p:nvPicPr>
-        <p:blipFill rotWithShape="1">
-          <a:blip r:embed="rId2">
-            <a:extLst>
-              <a:ext uri="{28A0092B-C50C-407E-A947-70E740481C1C}">
-                <a14:useLocalDpi xmlns:a14="http://schemas.microsoft.com/office/drawing/2010/main" val="0"/>
-              </a:ext>
-            </a:extLst>
-          </a:blip>
-          <a:srcRect l="61111" t="6697" r="4228" b="3334"/>
-          <a:stretch/>
-        </p:blipFill>
-        <p:spPr>
-          <a:xfrm>
-            <a:off x="1291810" y="2748377"/>
-            <a:ext cx="2800067" cy="3634042"/>
-          </a:xfrm>
-          <a:prstGeom prst="rect">
-            <a:avLst/>
-          </a:prstGeom>
-        </p:spPr>
-      </p:pic>
-      <p:sp>
-        <p:nvSpPr>
-          <p:cNvPr id="18" name="TextBox 17"/>
-          <p:cNvSpPr txBox="1"/>
-          <p:nvPr/>
-        </p:nvSpPr>
-        <p:spPr>
-          <a:xfrm>
-            <a:off x="4427125" y="6510"/>
-            <a:ext cx="306494" cy="369332"/>
-          </a:xfrm>
-          <a:prstGeom prst="rect">
-            <a:avLst/>
-          </a:prstGeom>
-          <a:noFill/>
-        </p:spPr>
-        <p:txBody>
-          <a:bodyPr wrap="none" rtlCol="0">
-            <a:spAutoFit/>
-          </a:bodyPr>
-          <a:lstStyle/>
-          <a:p>
-            <a:r>
-              <a:rPr lang="de-DE" b="1" dirty="0"/>
-              <a:t>C</a:t>
-            </a:r>
-            <a:endParaRPr lang="en-US" b="1" dirty="0"/>
-          </a:p>
-        </p:txBody>
-      </p:sp>
-      <p:sp>
-        <p:nvSpPr>
-          <p:cNvPr id="62" name="Rectangle 61"/>
-          <p:cNvSpPr/>
-          <p:nvPr/>
-        </p:nvSpPr>
-        <p:spPr>
-          <a:xfrm>
-            <a:off x="3737200" y="6464137"/>
-            <a:ext cx="1172466" cy="307777"/>
-          </a:xfrm>
-          <a:prstGeom prst="rect">
-            <a:avLst/>
-          </a:prstGeom>
-        </p:spPr>
-        <p:txBody>
-          <a:bodyPr wrap="none">
-            <a:spAutoFit/>
-          </a:bodyPr>
-          <a:lstStyle/>
-          <a:p>
-            <a:r>
-              <a:rPr lang="en-US" sz="1400" dirty="0">
-                <a:latin typeface="Arial"/>
-                <a:cs typeface="Arial"/>
-              </a:rPr>
-              <a:t>soil samples</a:t>
-            </a:r>
-          </a:p>
-        </p:txBody>
-      </p:sp>
-      <p:sp>
-        <p:nvSpPr>
-          <p:cNvPr id="63" name="Oval 62"/>
-          <p:cNvSpPr/>
-          <p:nvPr/>
-        </p:nvSpPr>
-        <p:spPr>
-          <a:xfrm>
-            <a:off x="3542985" y="6552373"/>
-            <a:ext cx="171483" cy="174416"/>
-          </a:xfrm>
-          <a:prstGeom prst="ellipse">
-            <a:avLst/>
-          </a:prstGeom>
-          <a:noFill/>
-          <a:ln>
-            <a:solidFill>
-              <a:srgbClr val="000000"/>
-            </a:solidFill>
-          </a:ln>
-          <a:effectLst/>
-        </p:spPr>
-        <p:style>
-          <a:lnRef idx="1">
-            <a:schemeClr val="accent1"/>
-          </a:lnRef>
-          <a:fillRef idx="3">
-            <a:schemeClr val="accent1"/>
-          </a:fillRef>
-          <a:effectRef idx="2">
-            <a:schemeClr val="accent1"/>
-          </a:effectRef>
-          <a:fontRef idx="minor">
-            <a:schemeClr val="lt1"/>
-          </a:fontRef>
-        </p:style>
-        <p:txBody>
-          <a:bodyPr rtlCol="0" anchor="ctr"/>
-          <a:lstStyle/>
-          <a:p>
-            <a:pPr algn="ctr"/>
-            <a:endParaRPr lang="en-US"/>
-          </a:p>
-        </p:txBody>
-      </p:sp>
-      <p:sp>
-        <p:nvSpPr>
-          <p:cNvPr id="64" name="Rectangle 63"/>
-          <p:cNvSpPr/>
-          <p:nvPr/>
-        </p:nvSpPr>
-        <p:spPr>
-          <a:xfrm>
-            <a:off x="5274430" y="6462499"/>
-            <a:ext cx="737168" cy="307777"/>
-          </a:xfrm>
-          <a:prstGeom prst="rect">
-            <a:avLst/>
-          </a:prstGeom>
-        </p:spPr>
-        <p:txBody>
-          <a:bodyPr wrap="none">
-            <a:spAutoFit/>
-          </a:bodyPr>
-          <a:lstStyle/>
-          <a:p>
-            <a:r>
-              <a:rPr lang="en-US" sz="1400" i="1" dirty="0">
-                <a:latin typeface="Arial"/>
-                <a:cs typeface="Arial"/>
-              </a:rPr>
-              <a:t>A. </a:t>
-            </a:r>
-            <a:r>
-              <a:rPr lang="en-US" sz="1400" i="1" dirty="0" err="1">
-                <a:latin typeface="Arial"/>
-                <a:cs typeface="Arial"/>
-              </a:rPr>
-              <a:t>koa</a:t>
-            </a:r>
-            <a:endParaRPr lang="en-US" sz="1400" i="1" dirty="0">
-              <a:latin typeface="Arial"/>
-              <a:cs typeface="Arial"/>
-            </a:endParaRPr>
-          </a:p>
-        </p:txBody>
-      </p:sp>
-      <p:sp>
-        <p:nvSpPr>
-          <p:cNvPr id="65" name="Oval 64"/>
-          <p:cNvSpPr/>
-          <p:nvPr/>
-        </p:nvSpPr>
-        <p:spPr>
-          <a:xfrm>
-            <a:off x="5101885" y="6553673"/>
-            <a:ext cx="171483" cy="174416"/>
-          </a:xfrm>
-          <a:prstGeom prst="ellipse">
-            <a:avLst/>
-          </a:prstGeom>
-          <a:solidFill>
-            <a:schemeClr val="tx1"/>
-          </a:solidFill>
-          <a:ln>
-            <a:solidFill>
-              <a:srgbClr val="000000"/>
-            </a:solidFill>
-          </a:ln>
-          <a:effectLst/>
-        </p:spPr>
-        <p:style>
-          <a:lnRef idx="1">
-            <a:schemeClr val="accent1"/>
-          </a:lnRef>
-          <a:fillRef idx="3">
-            <a:schemeClr val="accent1"/>
-          </a:fillRef>
-          <a:effectRef idx="2">
-            <a:schemeClr val="accent1"/>
-          </a:effectRef>
-          <a:fontRef idx="minor">
-            <a:schemeClr val="lt1"/>
-          </a:fontRef>
-        </p:style>
-        <p:txBody>
-          <a:bodyPr rtlCol="0" anchor="ctr"/>
-          <a:lstStyle/>
-          <a:p>
-            <a:pPr algn="ctr"/>
-            <a:endParaRPr lang="en-US"/>
-          </a:p>
-        </p:txBody>
-      </p:sp>
-      <p:sp>
-        <p:nvSpPr>
-          <p:cNvPr id="66" name="Isosceles Triangle 65"/>
-          <p:cNvSpPr/>
-          <p:nvPr/>
-        </p:nvSpPr>
-        <p:spPr>
-          <a:xfrm>
-            <a:off x="6277411" y="6526923"/>
-            <a:ext cx="227784" cy="184727"/>
-          </a:xfrm>
-          <a:prstGeom prst="triangle">
-            <a:avLst/>
-          </a:prstGeom>
-          <a:solidFill>
-            <a:srgbClr val="000000"/>
-          </a:solidFill>
-          <a:ln>
-            <a:solidFill>
-              <a:srgbClr val="000000"/>
-            </a:solidFill>
-          </a:ln>
-          <a:effectLst/>
-        </p:spPr>
-        <p:style>
-          <a:lnRef idx="1">
-            <a:schemeClr val="accent1"/>
-          </a:lnRef>
-          <a:fillRef idx="3">
-            <a:schemeClr val="accent1"/>
-          </a:fillRef>
-          <a:effectRef idx="2">
-            <a:schemeClr val="accent1"/>
-          </a:effectRef>
-          <a:fontRef idx="minor">
-            <a:schemeClr val="lt1"/>
-          </a:fontRef>
-        </p:style>
-        <p:txBody>
-          <a:bodyPr rtlCol="0" anchor="ctr"/>
-          <a:lstStyle/>
-          <a:p>
-            <a:pPr algn="ctr"/>
-            <a:endParaRPr lang="en-US"/>
-          </a:p>
-        </p:txBody>
-      </p:sp>
-      <p:sp>
-        <p:nvSpPr>
-          <p:cNvPr id="67" name="TextBox 66"/>
-          <p:cNvSpPr txBox="1"/>
-          <p:nvPr/>
-        </p:nvSpPr>
-        <p:spPr>
-          <a:xfrm>
-            <a:off x="6578508" y="6444086"/>
-            <a:ext cx="1101028" cy="307777"/>
-          </a:xfrm>
-          <a:prstGeom prst="rect">
-            <a:avLst/>
-          </a:prstGeom>
-          <a:noFill/>
-        </p:spPr>
-        <p:txBody>
-          <a:bodyPr wrap="none" rtlCol="0">
-            <a:spAutoFit/>
-          </a:bodyPr>
-          <a:lstStyle/>
-          <a:p>
-            <a:r>
-              <a:rPr lang="en-US" sz="1400" i="1" dirty="0" err="1">
-                <a:latin typeface="Arial"/>
-                <a:cs typeface="Arial"/>
-              </a:rPr>
-              <a:t>Rubus</a:t>
-            </a:r>
-            <a:r>
-              <a:rPr lang="en-US" sz="1400" dirty="0">
-                <a:latin typeface="Arial"/>
-                <a:cs typeface="Arial"/>
-              </a:rPr>
-              <a:t> spp.</a:t>
-            </a:r>
-          </a:p>
-        </p:txBody>
-      </p:sp>
-      <p:sp>
-        <p:nvSpPr>
-          <p:cNvPr id="15" name="TextBox 14"/>
-          <p:cNvSpPr txBox="1"/>
-          <p:nvPr/>
-        </p:nvSpPr>
-        <p:spPr>
-          <a:xfrm>
-            <a:off x="1398653" y="2254"/>
-            <a:ext cx="1912315" cy="369332"/>
-          </a:xfrm>
-          <a:prstGeom prst="rect">
-            <a:avLst/>
-          </a:prstGeom>
-          <a:noFill/>
-        </p:spPr>
-        <p:txBody>
-          <a:bodyPr wrap="none" rtlCol="0">
-            <a:spAutoFit/>
-          </a:bodyPr>
-          <a:lstStyle/>
-          <a:p>
-            <a:r>
-              <a:rPr lang="en-US" i="1" dirty="0"/>
-              <a:t>Nitrogen </a:t>
-            </a:r>
-            <a:r>
-              <a:rPr lang="en-US" i="1" dirty="0" err="1"/>
-              <a:t>isoscape</a:t>
-            </a:r>
-            <a:endParaRPr lang="en-US" i="1" dirty="0"/>
-          </a:p>
-        </p:txBody>
-      </p:sp>
-      <p:sp>
-        <p:nvSpPr>
-          <p:cNvPr id="16" name="TextBox 15"/>
-          <p:cNvSpPr txBox="1"/>
-          <p:nvPr/>
-        </p:nvSpPr>
-        <p:spPr>
-          <a:xfrm>
-            <a:off x="5647637" y="6898"/>
-            <a:ext cx="1762296" cy="369332"/>
-          </a:xfrm>
-          <a:prstGeom prst="rect">
-            <a:avLst/>
-          </a:prstGeom>
-          <a:noFill/>
-        </p:spPr>
-        <p:txBody>
-          <a:bodyPr wrap="none" rtlCol="0">
-            <a:spAutoFit/>
-          </a:bodyPr>
-          <a:lstStyle/>
-          <a:p>
-            <a:r>
-              <a:rPr lang="en-US" i="1" dirty="0"/>
-              <a:t>Carbon </a:t>
-            </a:r>
-            <a:r>
-              <a:rPr lang="en-US" i="1" dirty="0" err="1"/>
-              <a:t>isoscape</a:t>
-            </a:r>
-            <a:endParaRPr lang="en-US" i="1" dirty="0"/>
-          </a:p>
-        </p:txBody>
-      </p:sp>
-      <p:sp>
-        <p:nvSpPr>
-          <p:cNvPr id="11" name="TextBox 10"/>
-          <p:cNvSpPr txBox="1"/>
-          <p:nvPr/>
-        </p:nvSpPr>
-        <p:spPr>
-          <a:xfrm rot="16200000">
-            <a:off x="3688808" y="4564519"/>
-            <a:ext cx="826689" cy="307777"/>
-          </a:xfrm>
-          <a:prstGeom prst="rect">
-            <a:avLst/>
-          </a:prstGeom>
-          <a:noFill/>
-        </p:spPr>
-        <p:txBody>
-          <a:bodyPr wrap="none" rtlCol="0">
-            <a:spAutoFit/>
-          </a:bodyPr>
-          <a:lstStyle/>
-          <a:p>
-            <a:r>
-              <a:rPr lang="el-GR" sz="1400" dirty="0">
-                <a:latin typeface="Arial"/>
-                <a:cs typeface="Arial"/>
-              </a:rPr>
-              <a:t>δ</a:t>
-            </a:r>
-            <a:r>
-              <a:rPr lang="el-GR" sz="1400" baseline="30000" dirty="0">
-                <a:latin typeface="Arial"/>
-                <a:cs typeface="Arial"/>
-              </a:rPr>
-              <a:t>1</a:t>
-            </a:r>
-            <a:r>
-              <a:rPr lang="en-US" sz="1400" baseline="30000" dirty="0">
-                <a:latin typeface="Arial"/>
-                <a:cs typeface="Arial"/>
-              </a:rPr>
-              <a:t>5</a:t>
-            </a:r>
-            <a:r>
-              <a:rPr lang="en-US" sz="1400" dirty="0">
-                <a:latin typeface="Arial"/>
-                <a:cs typeface="Arial"/>
-              </a:rPr>
-              <a:t>N</a:t>
-            </a:r>
-            <a:r>
-              <a:rPr lang="el-GR" sz="1400" dirty="0">
-                <a:latin typeface="Arial"/>
-                <a:cs typeface="Arial"/>
-              </a:rPr>
-              <a:t> </a:t>
-            </a:r>
-            <a:r>
-              <a:rPr lang="en-US" sz="1400" dirty="0">
-                <a:latin typeface="Arial"/>
-                <a:cs typeface="Arial"/>
-              </a:rPr>
-              <a:t> </a:t>
-            </a:r>
-            <a:r>
-              <a:rPr lang="el-GR" sz="1400" dirty="0">
-                <a:latin typeface="Arial"/>
-                <a:cs typeface="Arial"/>
-              </a:rPr>
-              <a:t>‰ </a:t>
-            </a:r>
-            <a:endParaRPr lang="en-US" sz="1400" dirty="0">
-              <a:latin typeface="Arial"/>
-              <a:cs typeface="Arial"/>
-            </a:endParaRPr>
-          </a:p>
-        </p:txBody>
-      </p:sp>
       <p:grpSp>
         <p:nvGrpSpPr>
           <p:cNvPr id="68" name="Group 67"/>
@@ -3993,10 +3767,10 @@
         </p:nvGrpSpPr>
         <p:grpSpPr>
           <a:xfrm>
-            <a:off x="1727491" y="6354114"/>
-            <a:ext cx="284480" cy="498605"/>
-            <a:chOff x="7247000" y="3098800"/>
-            <a:chExt cx="300299" cy="608719"/>
+            <a:off x="7435030" y="2520650"/>
+            <a:ext cx="258404" cy="396289"/>
+            <a:chOff x="7223262" y="3098800"/>
+            <a:chExt cx="346810" cy="730557"/>
           </a:xfrm>
         </p:grpSpPr>
         <p:cxnSp>
@@ -4038,13 +3812,15 @@
         <p:cxnSp>
           <p:nvCxnSpPr>
             <p:cNvPr id="28" name="Straight Connector 27"/>
-            <p:cNvCxnSpPr/>
+            <p:cNvCxnSpPr>
+              <a:cxnSpLocks/>
+            </p:cNvCxnSpPr>
             <p:nvPr/>
           </p:nvCxnSpPr>
           <p:spPr>
             <a:xfrm flipH="1">
-              <a:off x="7247000" y="3393440"/>
-              <a:ext cx="152400" cy="132080"/>
+              <a:off x="7247001" y="3393440"/>
+              <a:ext cx="152398" cy="132080"/>
             </a:xfrm>
             <a:prstGeom prst="line">
               <a:avLst/>
@@ -4074,13 +3850,15 @@
         <p:cxnSp>
           <p:nvCxnSpPr>
             <p:cNvPr id="31" name="Straight Connector 30"/>
-            <p:cNvCxnSpPr/>
+            <p:cNvCxnSpPr>
+              <a:cxnSpLocks/>
+            </p:cNvCxnSpPr>
             <p:nvPr/>
           </p:nvCxnSpPr>
           <p:spPr>
             <a:xfrm>
-              <a:off x="7399400" y="3393440"/>
-              <a:ext cx="132080" cy="132080"/>
+              <a:off x="7399399" y="3393440"/>
+              <a:ext cx="132081" cy="132080"/>
             </a:xfrm>
             <a:prstGeom prst="line">
               <a:avLst/>
@@ -4151,8 +3929,8 @@
           </p:nvSpPr>
           <p:spPr>
             <a:xfrm>
-              <a:off x="7251500" y="3430520"/>
-              <a:ext cx="295799" cy="276999"/>
+              <a:off x="7223262" y="3432187"/>
+              <a:ext cx="346810" cy="397170"/>
             </a:xfrm>
             <a:prstGeom prst="rect">
               <a:avLst/>
@@ -4166,12 +3944,311 @@
             <a:lstStyle/>
             <a:p>
               <a:r>
-                <a:rPr lang="en-US" sz="1200" dirty="0">
+                <a:rPr lang="en-US" sz="800" dirty="0">
                   <a:latin typeface="Arial"/>
                   <a:cs typeface="Arial"/>
                 </a:rPr>
                 <a:t>N</a:t>
               </a:r>
+            </a:p>
+          </p:txBody>
+        </p:sp>
+      </p:grpSp>
+      <p:grpSp>
+        <p:nvGrpSpPr>
+          <p:cNvPr id="72" name="Group 71">
+            <a:extLst>
+              <a:ext uri="{FF2B5EF4-FFF2-40B4-BE49-F238E27FC236}">
+                <a16:creationId xmlns:a16="http://schemas.microsoft.com/office/drawing/2014/main" id="{674026D1-EEE5-4448-8121-F02CA02DAE32}"/>
+              </a:ext>
+            </a:extLst>
+          </p:cNvPr>
+          <p:cNvGrpSpPr/>
+          <p:nvPr/>
+        </p:nvGrpSpPr>
+        <p:grpSpPr>
+          <a:xfrm>
+            <a:off x="6398852" y="2975776"/>
+            <a:ext cx="1278525" cy="991314"/>
+            <a:chOff x="7001050" y="3093113"/>
+            <a:chExt cx="1278525" cy="991314"/>
+          </a:xfrm>
+        </p:grpSpPr>
+        <p:grpSp>
+          <p:nvGrpSpPr>
+            <p:cNvPr id="70" name="Group 69">
+              <a:extLst>
+                <a:ext uri="{FF2B5EF4-FFF2-40B4-BE49-F238E27FC236}">
+                  <a16:creationId xmlns:a16="http://schemas.microsoft.com/office/drawing/2014/main" id="{4A25A2FA-3317-B94D-9FD5-43F9AD7CAD62}"/>
+                </a:ext>
+              </a:extLst>
+            </p:cNvPr>
+            <p:cNvGrpSpPr/>
+            <p:nvPr/>
+          </p:nvGrpSpPr>
+          <p:grpSpPr>
+            <a:xfrm>
+              <a:off x="7001050" y="3093113"/>
+              <a:ext cx="1278525" cy="991314"/>
+              <a:chOff x="7928405" y="469119"/>
+              <a:chExt cx="957264" cy="690899"/>
+            </a:xfrm>
+          </p:grpSpPr>
+          <p:sp>
+            <p:nvSpPr>
+              <p:cNvPr id="62" name="Rectangle 61"/>
+              <p:cNvSpPr/>
+              <p:nvPr/>
+            </p:nvSpPr>
+            <p:spPr>
+              <a:xfrm>
+                <a:off x="8075485" y="945512"/>
+                <a:ext cx="339899" cy="214506"/>
+              </a:xfrm>
+              <a:prstGeom prst="rect">
+                <a:avLst/>
+              </a:prstGeom>
+            </p:spPr>
+            <p:txBody>
+              <a:bodyPr wrap="none">
+                <a:spAutoFit/>
+              </a:bodyPr>
+              <a:lstStyle/>
+              <a:p>
+                <a:r>
+                  <a:rPr lang="en-US" sz="1400" dirty="0">
+                    <a:latin typeface="Arial"/>
+                    <a:cs typeface="Arial"/>
+                  </a:rPr>
+                  <a:t>soil</a:t>
+                </a:r>
+              </a:p>
+            </p:txBody>
+          </p:sp>
+          <p:sp>
+            <p:nvSpPr>
+              <p:cNvPr id="63" name="Oval 62"/>
+              <p:cNvSpPr/>
+              <p:nvPr/>
+            </p:nvSpPr>
+            <p:spPr>
+              <a:xfrm>
+                <a:off x="7928405" y="1001937"/>
+                <a:ext cx="113406" cy="101184"/>
+              </a:xfrm>
+              <a:prstGeom prst="ellipse">
+                <a:avLst/>
+              </a:prstGeom>
+              <a:noFill/>
+              <a:ln w="12700">
+                <a:solidFill>
+                  <a:srgbClr val="000000"/>
+                </a:solidFill>
+              </a:ln>
+              <a:effectLst/>
+            </p:spPr>
+            <p:style>
+              <a:lnRef idx="1">
+                <a:schemeClr val="accent1"/>
+              </a:lnRef>
+              <a:fillRef idx="3">
+                <a:schemeClr val="accent1"/>
+              </a:fillRef>
+              <a:effectRef idx="2">
+                <a:schemeClr val="accent1"/>
+              </a:effectRef>
+              <a:fontRef idx="minor">
+                <a:schemeClr val="lt1"/>
+              </a:fontRef>
+            </p:style>
+            <p:txBody>
+              <a:bodyPr rtlCol="0" anchor="ctr"/>
+              <a:lstStyle/>
+              <a:p>
+                <a:pPr algn="ctr"/>
+                <a:endParaRPr lang="en-US" sz="1200"/>
+              </a:p>
+            </p:txBody>
+          </p:sp>
+          <p:sp>
+            <p:nvSpPr>
+              <p:cNvPr id="64" name="Rectangle 63"/>
+              <p:cNvSpPr/>
+              <p:nvPr/>
+            </p:nvSpPr>
+            <p:spPr>
+              <a:xfrm>
+                <a:off x="8075485" y="469119"/>
+                <a:ext cx="794779" cy="214506"/>
+              </a:xfrm>
+              <a:prstGeom prst="rect">
+                <a:avLst/>
+              </a:prstGeom>
+            </p:spPr>
+            <p:txBody>
+              <a:bodyPr wrap="none">
+                <a:spAutoFit/>
+              </a:bodyPr>
+              <a:lstStyle/>
+              <a:p>
+                <a:r>
+                  <a:rPr lang="en-US" sz="1400" i="1" dirty="0">
+                    <a:latin typeface="Arial"/>
+                    <a:cs typeface="Arial"/>
+                  </a:rPr>
+                  <a:t>Acacia </a:t>
+                </a:r>
+                <a:r>
+                  <a:rPr lang="en-US" sz="1400" i="1" dirty="0" err="1">
+                    <a:latin typeface="Arial"/>
+                    <a:cs typeface="Arial"/>
+                  </a:rPr>
+                  <a:t>koa</a:t>
+                </a:r>
+                <a:endParaRPr lang="en-US" sz="1400" i="1" dirty="0">
+                  <a:latin typeface="Arial"/>
+                  <a:cs typeface="Arial"/>
+                </a:endParaRPr>
+              </a:p>
+            </p:txBody>
+          </p:sp>
+          <p:sp>
+            <p:nvSpPr>
+              <p:cNvPr id="66" name="Isosceles Triangle 65"/>
+              <p:cNvSpPr/>
+              <p:nvPr/>
+            </p:nvSpPr>
+            <p:spPr>
+              <a:xfrm>
+                <a:off x="7928405" y="525780"/>
+                <a:ext cx="120578" cy="101185"/>
+              </a:xfrm>
+              <a:prstGeom prst="triangle">
+                <a:avLst/>
+              </a:prstGeom>
+              <a:solidFill>
+                <a:srgbClr val="000000"/>
+              </a:solidFill>
+              <a:ln>
+                <a:solidFill>
+                  <a:srgbClr val="000000"/>
+                </a:solidFill>
+              </a:ln>
+              <a:effectLst/>
+            </p:spPr>
+            <p:style>
+              <a:lnRef idx="1">
+                <a:schemeClr val="accent1"/>
+              </a:lnRef>
+              <a:fillRef idx="3">
+                <a:schemeClr val="accent1"/>
+              </a:fillRef>
+              <a:effectRef idx="2">
+                <a:schemeClr val="accent1"/>
+              </a:effectRef>
+              <a:fontRef idx="minor">
+                <a:schemeClr val="lt1"/>
+              </a:fontRef>
+            </p:style>
+            <p:txBody>
+              <a:bodyPr rtlCol="0" anchor="ctr"/>
+              <a:lstStyle/>
+              <a:p>
+                <a:pPr algn="ctr"/>
+                <a:endParaRPr lang="en-US" dirty="0"/>
+              </a:p>
+            </p:txBody>
+          </p:sp>
+          <p:sp>
+            <p:nvSpPr>
+              <p:cNvPr id="67" name="TextBox 66"/>
+              <p:cNvSpPr txBox="1"/>
+              <p:nvPr/>
+            </p:nvSpPr>
+            <p:spPr>
+              <a:xfrm>
+                <a:off x="8069286" y="703852"/>
+                <a:ext cx="816383" cy="214506"/>
+              </a:xfrm>
+              <a:prstGeom prst="rect">
+                <a:avLst/>
+              </a:prstGeom>
+              <a:noFill/>
+            </p:spPr>
+            <p:txBody>
+              <a:bodyPr wrap="none" rtlCol="0">
+                <a:spAutoFit/>
+              </a:bodyPr>
+              <a:lstStyle/>
+              <a:p>
+                <a:r>
+                  <a:rPr lang="en-US" sz="1400" i="1" dirty="0">
+                    <a:latin typeface="Arial"/>
+                    <a:cs typeface="Arial"/>
+                  </a:rPr>
+                  <a:t>Rubus</a:t>
+                </a:r>
+                <a:r>
+                  <a:rPr lang="en-US" sz="1400" dirty="0">
+                    <a:latin typeface="Arial"/>
+                    <a:cs typeface="Arial"/>
+                  </a:rPr>
+                  <a:t> spp.</a:t>
+                </a:r>
+              </a:p>
+            </p:txBody>
+          </p:sp>
+        </p:grpSp>
+        <p:sp>
+          <p:nvSpPr>
+            <p:cNvPr id="71" name="Isosceles Triangle 65">
+              <a:extLst>
+                <a:ext uri="{FF2B5EF4-FFF2-40B4-BE49-F238E27FC236}">
+                  <a16:creationId xmlns:a16="http://schemas.microsoft.com/office/drawing/2014/main" id="{607233D7-4E3A-9E45-91B2-011D0E66EA39}"/>
+                </a:ext>
+              </a:extLst>
+            </p:cNvPr>
+            <p:cNvSpPr/>
+            <p:nvPr/>
+          </p:nvSpPr>
+          <p:spPr>
+            <a:xfrm>
+              <a:off x="7009354" y="3502971"/>
+              <a:ext cx="161044" cy="145182"/>
+            </a:xfrm>
+            <a:prstGeom prst="triangle">
+              <a:avLst/>
+            </a:prstGeom>
+            <a:solidFill>
+              <a:schemeClr val="bg1"/>
+            </a:solidFill>
+            <a:ln>
+              <a:solidFill>
+                <a:srgbClr val="000000"/>
+              </a:solidFill>
+            </a:ln>
+            <a:effectLst/>
+          </p:spPr>
+          <p:style>
+            <a:lnRef idx="1">
+              <a:schemeClr val="accent1"/>
+            </a:lnRef>
+            <a:fillRef idx="3">
+              <a:schemeClr val="accent1"/>
+            </a:fillRef>
+            <a:effectRef idx="2">
+              <a:schemeClr val="accent1"/>
+            </a:effectRef>
+            <a:fontRef idx="minor">
+              <a:schemeClr val="lt1"/>
+            </a:fontRef>
+          </p:style>
+          <p:txBody>
+            <a:bodyPr rtlCol="0" anchor="ctr"/>
+            <a:lstStyle/>
+            <a:p>
+              <a:pPr algn="ctr"/>
+              <a:endParaRPr lang="en-US"/>
             </a:p>
           </p:txBody>
         </p:sp>
